--- a/ICCAD/題目介紹.pptx
+++ b/ICCAD/題目介紹.pptx
@@ -7,6 +7,8 @@
   <p:sldIdLst>
     <p:sldId id="280" r:id="rId2"/>
     <p:sldId id="279" r:id="rId3"/>
+    <p:sldId id="281" r:id="rId4"/>
+    <p:sldId id="282" r:id="rId5"/>
   </p:sldIdLst>
   <p:sldSz cx="12192000" cy="6858000"/>
   <p:notesSz cx="6858000" cy="9144000"/>
@@ -105,6 +107,11 @@
       </a:defRPr>
     </a:lvl9pPr>
   </p:defaultTextStyle>
+  <p:extLst>
+    <p:ext uri="{EFAFB233-063F-42B5-8137-9DF3F51BA10A}">
+      <p15:sldGuideLst xmlns:p15="http://schemas.microsoft.com/office/powerpoint/2012/main"/>
+    </p:ext>
+  </p:extLst>
 </p:presentation>
 </file>
 
@@ -255,7 +262,7 @@
           <a:p>
             <a:fld id="{77AC632A-AFFA-4C79-87CA-C619F2C3B321}" type="datetimeFigureOut">
               <a:rPr lang="zh-TW" altLang="en-US" smtClean="0"/>
-              <a:t>2025/3/20</a:t>
+              <a:t>2025/3/24</a:t>
             </a:fld>
             <a:endParaRPr lang="zh-TW" altLang="en-US"/>
           </a:p>
@@ -453,7 +460,7 @@
           <a:p>
             <a:fld id="{77AC632A-AFFA-4C79-87CA-C619F2C3B321}" type="datetimeFigureOut">
               <a:rPr lang="zh-TW" altLang="en-US" smtClean="0"/>
-              <a:t>2025/3/20</a:t>
+              <a:t>2025/3/24</a:t>
             </a:fld>
             <a:endParaRPr lang="zh-TW" altLang="en-US"/>
           </a:p>
@@ -661,7 +668,7 @@
           <a:p>
             <a:fld id="{77AC632A-AFFA-4C79-87CA-C619F2C3B321}" type="datetimeFigureOut">
               <a:rPr lang="zh-TW" altLang="en-US" smtClean="0"/>
-              <a:t>2025/3/20</a:t>
+              <a:t>2025/3/24</a:t>
             </a:fld>
             <a:endParaRPr lang="zh-TW" altLang="en-US"/>
           </a:p>
@@ -859,7 +866,7 @@
           <a:p>
             <a:fld id="{77AC632A-AFFA-4C79-87CA-C619F2C3B321}" type="datetimeFigureOut">
               <a:rPr lang="zh-TW" altLang="en-US" smtClean="0"/>
-              <a:t>2025/3/20</a:t>
+              <a:t>2025/3/24</a:t>
             </a:fld>
             <a:endParaRPr lang="zh-TW" altLang="en-US"/>
           </a:p>
@@ -1134,7 +1141,7 @@
           <a:p>
             <a:fld id="{77AC632A-AFFA-4C79-87CA-C619F2C3B321}" type="datetimeFigureOut">
               <a:rPr lang="zh-TW" altLang="en-US" smtClean="0"/>
-              <a:t>2025/3/20</a:t>
+              <a:t>2025/3/24</a:t>
             </a:fld>
             <a:endParaRPr lang="zh-TW" altLang="en-US"/>
           </a:p>
@@ -1399,7 +1406,7 @@
           <a:p>
             <a:fld id="{77AC632A-AFFA-4C79-87CA-C619F2C3B321}" type="datetimeFigureOut">
               <a:rPr lang="zh-TW" altLang="en-US" smtClean="0"/>
-              <a:t>2025/3/20</a:t>
+              <a:t>2025/3/24</a:t>
             </a:fld>
             <a:endParaRPr lang="zh-TW" altLang="en-US"/>
           </a:p>
@@ -1811,7 +1818,7 @@
           <a:p>
             <a:fld id="{77AC632A-AFFA-4C79-87CA-C619F2C3B321}" type="datetimeFigureOut">
               <a:rPr lang="zh-TW" altLang="en-US" smtClean="0"/>
-              <a:t>2025/3/20</a:t>
+              <a:t>2025/3/24</a:t>
             </a:fld>
             <a:endParaRPr lang="zh-TW" altLang="en-US"/>
           </a:p>
@@ -1952,7 +1959,7 @@
           <a:p>
             <a:fld id="{77AC632A-AFFA-4C79-87CA-C619F2C3B321}" type="datetimeFigureOut">
               <a:rPr lang="zh-TW" altLang="en-US" smtClean="0"/>
-              <a:t>2025/3/20</a:t>
+              <a:t>2025/3/24</a:t>
             </a:fld>
             <a:endParaRPr lang="zh-TW" altLang="en-US"/>
           </a:p>
@@ -2065,7 +2072,7 @@
           <a:p>
             <a:fld id="{77AC632A-AFFA-4C79-87CA-C619F2C3B321}" type="datetimeFigureOut">
               <a:rPr lang="zh-TW" altLang="en-US" smtClean="0"/>
-              <a:t>2025/3/20</a:t>
+              <a:t>2025/3/24</a:t>
             </a:fld>
             <a:endParaRPr lang="zh-TW" altLang="en-US"/>
           </a:p>
@@ -2376,7 +2383,7 @@
           <a:p>
             <a:fld id="{77AC632A-AFFA-4C79-87CA-C619F2C3B321}" type="datetimeFigureOut">
               <a:rPr lang="zh-TW" altLang="en-US" smtClean="0"/>
-              <a:t>2025/3/20</a:t>
+              <a:t>2025/3/24</a:t>
             </a:fld>
             <a:endParaRPr lang="zh-TW" altLang="en-US"/>
           </a:p>
@@ -2664,7 +2671,7 @@
           <a:p>
             <a:fld id="{77AC632A-AFFA-4C79-87CA-C619F2C3B321}" type="datetimeFigureOut">
               <a:rPr lang="zh-TW" altLang="en-US" smtClean="0"/>
-              <a:t>2025/3/20</a:t>
+              <a:t>2025/3/24</a:t>
             </a:fld>
             <a:endParaRPr lang="zh-TW" altLang="en-US"/>
           </a:p>
@@ -2905,7 +2912,7 @@
           <a:p>
             <a:fld id="{77AC632A-AFFA-4C79-87CA-C619F2C3B321}" type="datetimeFigureOut">
               <a:rPr lang="zh-TW" altLang="en-US" smtClean="0"/>
-              <a:t>2025/3/20</a:t>
+              <a:t>2025/3/24</a:t>
             </a:fld>
             <a:endParaRPr lang="zh-TW" altLang="en-US"/>
           </a:p>
@@ -3592,235 +3599,58 @@
             </a:pPr>
             <a:r>
               <a:rPr lang="en-US" altLang="zh-TW" sz="2400" dirty="0">
-                <a:effectLst/>
-                <a:latin typeface="Times New Roman" panose="02020603050405020304" pitchFamily="18" charset="0"/>
-                <a:ea typeface="新細明體" panose="02020500000000000000" pitchFamily="18" charset="-120"/>
-                <a:cs typeface="Times New Roman" panose="02020603050405020304" pitchFamily="18" charset="0"/>
+                <a:solidFill>
+                  <a:srgbClr val="000000"/>
+                </a:solidFill>
+                <a:latin typeface="Calibri" panose="020F0502020204030204" pitchFamily="34" charset="0"/>
               </a:rPr>
-              <a:t>Though</a:t>
-            </a:r>
-            <a:r>
-              <a:rPr lang="zh-TW" altLang="en-US" sz="2400" dirty="0">
-                <a:effectLst/>
-                <a:latin typeface="Times New Roman" panose="02020603050405020304" pitchFamily="18" charset="0"/>
-                <a:ea typeface="新細明體" panose="02020500000000000000" pitchFamily="18" charset="-120"/>
-                <a:cs typeface="Times New Roman" panose="02020603050405020304" pitchFamily="18" charset="0"/>
+              <a:t>To d</a:t>
+            </a:r>
+            <a:r>
+              <a:rPr lang="en-US" altLang="zh-TW" sz="2400" b="0" i="0" u="none" strike="noStrike" baseline="0" dirty="0">
+                <a:solidFill>
+                  <a:srgbClr val="000000"/>
+                </a:solidFill>
+                <a:latin typeface="Calibri" panose="020F0502020204030204" pitchFamily="34" charset="0"/>
               </a:rPr>
-              <a:t> </a:t>
-            </a:r>
-            <a:r>
-              <a:rPr lang="en-US" altLang="zh-TW" sz="2400" dirty="0">
-                <a:effectLst/>
-                <a:latin typeface="Times New Roman" panose="02020603050405020304" pitchFamily="18" charset="0"/>
-                <a:ea typeface="新細明體" panose="02020500000000000000" pitchFamily="18" charset="-120"/>
-                <a:cs typeface="Times New Roman" panose="02020603050405020304" pitchFamily="18" charset="0"/>
+              <a:t>evelop a </a:t>
+            </a:r>
+            <a:r>
+              <a:rPr lang="en-US" altLang="zh-TW" sz="2400" b="0" i="0" u="none" strike="noStrike" baseline="0" dirty="0">
+                <a:solidFill>
+                  <a:srgbClr val="0070C0"/>
+                </a:solidFill>
+                <a:latin typeface="Calibri" panose="020F0502020204030204" pitchFamily="34" charset="0"/>
               </a:rPr>
-              <a:t>Reinforcement Learning (RL) or Deep Learning (DL)-based</a:t>
-            </a:r>
-            <a:r>
-              <a:rPr lang="zh-TW" altLang="en-US" sz="2400" dirty="0">
-                <a:effectLst/>
-                <a:latin typeface="Times New Roman" panose="02020603050405020304" pitchFamily="18" charset="0"/>
-                <a:ea typeface="新細明體" panose="02020500000000000000" pitchFamily="18" charset="-120"/>
-                <a:cs typeface="Times New Roman" panose="02020603050405020304" pitchFamily="18" charset="0"/>
+              <a:t>banking and debanking algorithm </a:t>
+            </a:r>
+            <a:r>
+              <a:rPr lang="en-US" altLang="zh-TW" sz="2400" b="0" i="0" u="none" strike="noStrike" baseline="0" dirty="0">
+                <a:solidFill>
+                  <a:srgbClr val="000000"/>
+                </a:solidFill>
+                <a:latin typeface="Calibri" panose="020F0502020204030204" pitchFamily="34" charset="0"/>
               </a:rPr>
-              <a:t> </a:t>
-            </a:r>
-            <a:r>
-              <a:rPr lang="en-US" altLang="zh-TW" sz="2400" dirty="0">
-                <a:effectLst/>
-                <a:latin typeface="Times New Roman" panose="02020603050405020304" pitchFamily="18" charset="0"/>
-                <a:ea typeface="新細明體" panose="02020500000000000000" pitchFamily="18" charset="-120"/>
-                <a:cs typeface="Times New Roman" panose="02020603050405020304" pitchFamily="18" charset="0"/>
+              <a:t>that produces a placement result optimized for </a:t>
+            </a:r>
+            <a:r>
+              <a:rPr lang="en-US" altLang="zh-TW" sz="2400" b="0" i="0" u="none" strike="noStrike" baseline="0" dirty="0">
+                <a:solidFill>
+                  <a:srgbClr val="0070C0"/>
+                </a:solidFill>
+                <a:latin typeface="Calibri" panose="020F0502020204030204" pitchFamily="34" charset="0"/>
               </a:rPr>
-              <a:t>methods such as [1]–[4] have been proposed to offer benefit</a:t>
-            </a:r>
-            <a:r>
-              <a:rPr lang="zh-TW" altLang="en-US" sz="2400" dirty="0">
-                <a:effectLst/>
-                <a:latin typeface="Times New Roman" panose="02020603050405020304" pitchFamily="18" charset="0"/>
-                <a:ea typeface="新細明體" panose="02020500000000000000" pitchFamily="18" charset="-120"/>
-                <a:cs typeface="Times New Roman" panose="02020603050405020304" pitchFamily="18" charset="0"/>
-              </a:rPr>
-              <a:t> </a:t>
-            </a:r>
-            <a:r>
-              <a:rPr lang="en-US" altLang="zh-TW" sz="2400" dirty="0">
-                <a:effectLst/>
-                <a:latin typeface="Times New Roman" panose="02020603050405020304" pitchFamily="18" charset="0"/>
-                <a:ea typeface="新細明體" panose="02020500000000000000" pitchFamily="18" charset="-120"/>
-                <a:cs typeface="Times New Roman" panose="02020603050405020304" pitchFamily="18" charset="0"/>
-              </a:rPr>
-              <a:t>of automating the macro placement actions, they incurred</a:t>
-            </a:r>
-            <a:r>
-              <a:rPr lang="zh-TW" altLang="en-US" sz="2400" dirty="0">
-                <a:effectLst/>
-                <a:latin typeface="Times New Roman" panose="02020603050405020304" pitchFamily="18" charset="0"/>
-                <a:ea typeface="新細明體" panose="02020500000000000000" pitchFamily="18" charset="-120"/>
-                <a:cs typeface="Times New Roman" panose="02020603050405020304" pitchFamily="18" charset="0"/>
-              </a:rPr>
-              <a:t> </a:t>
-            </a:r>
-            <a:r>
-              <a:rPr lang="en-US" altLang="zh-TW" sz="2400" dirty="0">
+              <a:t>timing, power, and area</a:t>
+            </a:r>
+            <a:r>
+              <a:rPr lang="en-US" altLang="zh-TW" sz="2400" b="0" i="0" u="none" strike="noStrike" baseline="0" dirty="0">
                 <a:solidFill>
-                  <a:schemeClr val="accent5">
-                    <a:lumMod val="75000"/>
-                  </a:schemeClr>
+                  <a:srgbClr val="000000"/>
                 </a:solidFill>
-                <a:effectLst/>
-                <a:latin typeface="Times New Roman" panose="02020603050405020304" pitchFamily="18" charset="0"/>
-                <a:ea typeface="新細明體" panose="02020500000000000000" pitchFamily="18" charset="-120"/>
-                <a:cs typeface="Times New Roman" panose="02020603050405020304" pitchFamily="18" charset="0"/>
-              </a:rPr>
-              <a:t>legalization problems</a:t>
-            </a:r>
-            <a:r>
-              <a:rPr lang="en-US" altLang="zh-TW" sz="2400" dirty="0">
-                <a:effectLst/>
-                <a:latin typeface="Times New Roman" panose="02020603050405020304" pitchFamily="18" charset="0"/>
-                <a:ea typeface="新細明體" panose="02020500000000000000" pitchFamily="18" charset="-120"/>
-                <a:cs typeface="Times New Roman" panose="02020603050405020304" pitchFamily="18" charset="0"/>
-              </a:rPr>
-              <a:t>, </a:t>
-            </a:r>
-            <a:r>
-              <a:rPr lang="en-US" altLang="zh-TW" sz="2400" dirty="0">
-                <a:solidFill>
-                  <a:schemeClr val="accent5">
-                    <a:lumMod val="75000"/>
-                  </a:schemeClr>
-                </a:solidFill>
-                <a:effectLst/>
-                <a:latin typeface="Times New Roman" panose="02020603050405020304" pitchFamily="18" charset="0"/>
-                <a:ea typeface="新細明體" panose="02020500000000000000" pitchFamily="18" charset="-120"/>
-                <a:cs typeface="Times New Roman" panose="02020603050405020304" pitchFamily="18" charset="0"/>
-              </a:rPr>
-              <a:t>huge computational</a:t>
-            </a:r>
-            <a:r>
-              <a:rPr lang="en-US" altLang="zh-TW" sz="2400" dirty="0">
-                <a:effectLst/>
-                <a:latin typeface="Times New Roman" panose="02020603050405020304" pitchFamily="18" charset="0"/>
-                <a:ea typeface="新細明體" panose="02020500000000000000" pitchFamily="18" charset="-120"/>
-                <a:cs typeface="Times New Roman" panose="02020603050405020304" pitchFamily="18" charset="0"/>
-              </a:rPr>
-              <a:t>, and the </a:t>
-            </a:r>
-            <a:r>
-              <a:rPr lang="en-US" altLang="zh-TW" sz="2400" dirty="0">
-                <a:solidFill>
-                  <a:schemeClr val="accent5">
-                    <a:lumMod val="75000"/>
-                  </a:schemeClr>
-                </a:solidFill>
-                <a:effectLst/>
-                <a:latin typeface="Times New Roman" panose="02020603050405020304" pitchFamily="18" charset="0"/>
-                <a:ea typeface="新細明體" panose="02020500000000000000" pitchFamily="18" charset="-120"/>
-                <a:cs typeface="Times New Roman" panose="02020603050405020304" pitchFamily="18" charset="0"/>
-              </a:rPr>
-              <a:t>training</a:t>
-            </a:r>
-            <a:r>
-              <a:rPr lang="zh-TW" altLang="en-US" sz="2400" dirty="0">
-                <a:solidFill>
-                  <a:schemeClr val="accent5">
-                    <a:lumMod val="75000"/>
-                  </a:schemeClr>
-                </a:solidFill>
-                <a:effectLst/>
-                <a:latin typeface="Times New Roman" panose="02020603050405020304" pitchFamily="18" charset="0"/>
-                <a:ea typeface="新細明體" panose="02020500000000000000" pitchFamily="18" charset="-120"/>
-                <a:cs typeface="Times New Roman" panose="02020603050405020304" pitchFamily="18" charset="0"/>
-              </a:rPr>
-              <a:t> </a:t>
-            </a:r>
-            <a:r>
-              <a:rPr lang="en-US" altLang="zh-TW" sz="2400" dirty="0">
-                <a:solidFill>
-                  <a:schemeClr val="accent5">
-                    <a:lumMod val="75000"/>
-                  </a:schemeClr>
-                </a:solidFill>
-                <a:effectLst/>
-                <a:latin typeface="Times New Roman" panose="02020603050405020304" pitchFamily="18" charset="0"/>
-                <a:ea typeface="新細明體" panose="02020500000000000000" pitchFamily="18" charset="-120"/>
-                <a:cs typeface="Times New Roman" panose="02020603050405020304" pitchFamily="18" charset="0"/>
-              </a:rPr>
-              <a:t>design dataset is not easy to access</a:t>
-            </a:r>
-            <a:r>
-              <a:rPr lang="en-US" altLang="zh-TW" sz="2400" dirty="0">
-                <a:effectLst/>
-                <a:latin typeface="Times New Roman" panose="02020603050405020304" pitchFamily="18" charset="0"/>
-                <a:ea typeface="新細明體" panose="02020500000000000000" pitchFamily="18" charset="-120"/>
-                <a:cs typeface="Times New Roman" panose="02020603050405020304" pitchFamily="18" charset="0"/>
+                <a:latin typeface="Calibri" panose="020F0502020204030204" pitchFamily="34" charset="0"/>
               </a:rPr>
               <a:t>.</a:t>
             </a:r>
-          </a:p>
-          <a:p>
-            <a:pPr algn="l">
-              <a:lnSpc>
-                <a:spcPct val="100000"/>
-              </a:lnSpc>
-            </a:pPr>
-            <a:endParaRPr lang="en-US" altLang="zh-TW" sz="2400" dirty="0">
-              <a:latin typeface="Times New Roman" panose="02020603050405020304" pitchFamily="18" charset="0"/>
-              <a:ea typeface="新細明體" panose="02020500000000000000" pitchFamily="18" charset="-120"/>
-              <a:cs typeface="Times New Roman" panose="02020603050405020304" pitchFamily="18" charset="0"/>
-            </a:endParaRPr>
-          </a:p>
-          <a:p>
-            <a:pPr>
-              <a:lnSpc>
-                <a:spcPct val="100000"/>
-              </a:lnSpc>
-            </a:pPr>
-            <a:r>
-              <a:rPr lang="en-US" altLang="zh-TW" sz="2400" dirty="0">
-                <a:solidFill>
-                  <a:schemeClr val="accent5">
-                    <a:lumMod val="75000"/>
-                  </a:schemeClr>
-                </a:solidFill>
-                <a:latin typeface="Times New Roman" panose="02020603050405020304" pitchFamily="18" charset="0"/>
-                <a:ea typeface="新細明體" panose="02020500000000000000" pitchFamily="18" charset="-120"/>
-                <a:cs typeface="Times New Roman" panose="02020603050405020304" pitchFamily="18" charset="0"/>
-              </a:rPr>
-              <a:t>D</a:t>
-            </a:r>
-            <a:r>
-              <a:rPr lang="en-US" altLang="zh-TW" sz="2400" dirty="0">
-                <a:solidFill>
-                  <a:schemeClr val="accent5">
-                    <a:lumMod val="75000"/>
-                  </a:schemeClr>
-                </a:solidFill>
-                <a:effectLst/>
-                <a:latin typeface="Times New Roman" panose="02020603050405020304" pitchFamily="18" charset="0"/>
-                <a:ea typeface="新細明體" panose="02020500000000000000" pitchFamily="18" charset="-120"/>
-                <a:cs typeface="Times New Roman" panose="02020603050405020304" pitchFamily="18" charset="0"/>
-              </a:rPr>
-              <a:t>ataflow-aware</a:t>
-            </a:r>
-            <a:r>
-              <a:rPr lang="en-US" altLang="zh-TW" sz="2400" dirty="0">
-                <a:effectLst/>
-                <a:latin typeface="Times New Roman" panose="02020603050405020304" pitchFamily="18" charset="0"/>
-                <a:ea typeface="新細明體" panose="02020500000000000000" pitchFamily="18" charset="-120"/>
-                <a:cs typeface="Times New Roman" panose="02020603050405020304" pitchFamily="18" charset="0"/>
-              </a:rPr>
-              <a:t> macro placers [5]–[10], where the dataflow is analyzed and used as constraints for further placement of the macros.</a:t>
-            </a:r>
-          </a:p>
-          <a:p>
-            <a:pPr algn="l">
-              <a:lnSpc>
-                <a:spcPct val="100000"/>
-              </a:lnSpc>
-            </a:pPr>
             <a:endParaRPr lang="en-US" altLang="zh-TW" sz="2400" dirty="0">
               <a:effectLst/>
               <a:latin typeface="Times New Roman" panose="02020603050405020304" pitchFamily="18" charset="0"/>
@@ -3900,10 +3730,689 @@
           </a:p>
         </p:txBody>
       </p:sp>
+      <p:pic>
+        <p:nvPicPr>
+          <p:cNvPr id="6" name="Picture 5">
+            <a:extLst>
+              <a:ext uri="{FF2B5EF4-FFF2-40B4-BE49-F238E27FC236}">
+                <a16:creationId xmlns:a16="http://schemas.microsoft.com/office/drawing/2014/main" id="{F560B309-EDE7-B7EF-5728-60482EDA6988}"/>
+              </a:ext>
+            </a:extLst>
+          </p:cNvPr>
+          <p:cNvPicPr>
+            <a:picLocks noChangeAspect="1"/>
+          </p:cNvPicPr>
+          <p:nvPr/>
+        </p:nvPicPr>
+        <p:blipFill>
+          <a:blip r:embed="rId2"/>
+          <a:srcRect r="3887"/>
+          <a:stretch/>
+        </p:blipFill>
+        <p:spPr>
+          <a:xfrm>
+            <a:off x="317157" y="3612225"/>
+            <a:ext cx="5941070" cy="2220543"/>
+          </a:xfrm>
+          <a:prstGeom prst="rect">
+            <a:avLst/>
+          </a:prstGeom>
+        </p:spPr>
+      </p:pic>
+      <p:pic>
+        <p:nvPicPr>
+          <p:cNvPr id="8" name="Picture 7">
+            <a:extLst>
+              <a:ext uri="{FF2B5EF4-FFF2-40B4-BE49-F238E27FC236}">
+                <a16:creationId xmlns:a16="http://schemas.microsoft.com/office/drawing/2014/main" id="{CC23D34A-79C9-45E5-D710-30D092FE1196}"/>
+              </a:ext>
+            </a:extLst>
+          </p:cNvPr>
+          <p:cNvPicPr>
+            <a:picLocks noChangeAspect="1"/>
+          </p:cNvPicPr>
+          <p:nvPr/>
+        </p:nvPicPr>
+        <p:blipFill>
+          <a:blip r:embed="rId3"/>
+          <a:srcRect l="1876" r="6770"/>
+          <a:stretch/>
+        </p:blipFill>
+        <p:spPr>
+          <a:xfrm>
+            <a:off x="6444830" y="3590474"/>
+            <a:ext cx="5571336" cy="2242294"/>
+          </a:xfrm>
+          <a:prstGeom prst="rect">
+            <a:avLst/>
+          </a:prstGeom>
+        </p:spPr>
+      </p:pic>
     </p:spTree>
     <p:extLst>
       <p:ext uri="{BB962C8B-B14F-4D97-AF65-F5344CB8AC3E}">
         <p14:creationId xmlns:p14="http://schemas.microsoft.com/office/powerpoint/2010/main" val="739361380"/>
+      </p:ext>
+    </p:extLst>
+  </p:cSld>
+  <p:clrMapOvr>
+    <a:masterClrMapping/>
+  </p:clrMapOvr>
+</p:sld>
+</file>
+
+<file path=ppt/slides/slide3.xml><?xml version="1.0" encoding="utf-8"?>
+<p:sld xmlns:a="http://schemas.openxmlformats.org/drawingml/2006/main" xmlns:r="http://schemas.openxmlformats.org/officeDocument/2006/relationships" xmlns:p="http://schemas.openxmlformats.org/presentationml/2006/main">
+  <p:cSld>
+    <p:spTree>
+      <p:nvGrpSpPr>
+        <p:cNvPr id="1" name="">
+          <a:extLst>
+            <a:ext uri="{FF2B5EF4-FFF2-40B4-BE49-F238E27FC236}">
+              <a16:creationId xmlns:a16="http://schemas.microsoft.com/office/drawing/2014/main" id="{CA178B13-D4CB-F617-86FD-35C842C65AB6}"/>
+            </a:ext>
+          </a:extLst>
+        </p:cNvPr>
+        <p:cNvGrpSpPr/>
+        <p:nvPr/>
+      </p:nvGrpSpPr>
+      <p:grpSpPr>
+        <a:xfrm>
+          <a:off x="0" y="0"/>
+          <a:ext cx="0" cy="0"/>
+          <a:chOff x="0" y="0"/>
+          <a:chExt cx="0" cy="0"/>
+        </a:xfrm>
+      </p:grpSpPr>
+      <p:sp>
+        <p:nvSpPr>
+          <p:cNvPr id="2" name="Title 1">
+            <a:extLst>
+              <a:ext uri="{FF2B5EF4-FFF2-40B4-BE49-F238E27FC236}">
+                <a16:creationId xmlns:a16="http://schemas.microsoft.com/office/drawing/2014/main" id="{747BFE16-AEA2-C51A-8504-6ED341FCD19C}"/>
+              </a:ext>
+            </a:extLst>
+          </p:cNvPr>
+          <p:cNvSpPr>
+            <a:spLocks noGrp="1"/>
+          </p:cNvSpPr>
+          <p:nvPr>
+            <p:ph type="title"/>
+          </p:nvPr>
+        </p:nvSpPr>
+        <p:spPr/>
+        <p:txBody>
+          <a:bodyPr>
+            <a:normAutofit/>
+          </a:bodyPr>
+          <a:lstStyle/>
+          <a:p>
+            <a:r>
+              <a:rPr lang="en-US" altLang="zh-TW" sz="4000" dirty="0">
+                <a:latin typeface="Times New Roman" panose="02020603050405020304" pitchFamily="18" charset="0"/>
+                <a:cs typeface="Times New Roman" panose="02020603050405020304" pitchFamily="18" charset="0"/>
+              </a:rPr>
+              <a:t>Contest Objective</a:t>
+            </a:r>
+            <a:endParaRPr lang="zh-TW" altLang="en-US" sz="4000" dirty="0">
+              <a:latin typeface="Times New Roman" panose="02020603050405020304" pitchFamily="18" charset="0"/>
+              <a:cs typeface="Times New Roman" panose="02020603050405020304" pitchFamily="18" charset="0"/>
+            </a:endParaRPr>
+          </a:p>
+        </p:txBody>
+      </p:sp>
+      <p:sp>
+        <p:nvSpPr>
+          <p:cNvPr id="4" name="投影片編號版面配置區 3">
+            <a:extLst>
+              <a:ext uri="{FF2B5EF4-FFF2-40B4-BE49-F238E27FC236}">
+                <a16:creationId xmlns:a16="http://schemas.microsoft.com/office/drawing/2014/main" id="{49E35A4C-8A58-CA83-D05D-6B027BAD0D08}"/>
+              </a:ext>
+            </a:extLst>
+          </p:cNvPr>
+          <p:cNvSpPr>
+            <a:spLocks noGrp="1"/>
+          </p:cNvSpPr>
+          <p:nvPr>
+            <p:ph type="sldNum" sz="quarter" idx="12"/>
+          </p:nvPr>
+        </p:nvSpPr>
+        <p:spPr>
+          <a:xfrm>
+            <a:off x="8610600" y="6310312"/>
+            <a:ext cx="2743200" cy="365125"/>
+          </a:xfrm>
+        </p:spPr>
+        <p:txBody>
+          <a:bodyPr/>
+          <a:lstStyle/>
+          <a:p>
+            <a:fld id="{9CF5A83B-F48D-49CA-94CB-9DE72BA4E651}" type="slidenum">
+              <a:rPr lang="zh-TW" altLang="en-US" smtClean="0">
+                <a:solidFill>
+                  <a:schemeClr val="tx1"/>
+                </a:solidFill>
+              </a:rPr>
+              <a:t>3</a:t>
+            </a:fld>
+            <a:endParaRPr lang="zh-TW" altLang="en-US" dirty="0">
+              <a:solidFill>
+                <a:schemeClr val="tx1"/>
+              </a:solidFill>
+            </a:endParaRPr>
+          </a:p>
+        </p:txBody>
+      </p:sp>
+      <p:pic>
+        <p:nvPicPr>
+          <p:cNvPr id="9" name="Picture 8">
+            <a:extLst>
+              <a:ext uri="{FF2B5EF4-FFF2-40B4-BE49-F238E27FC236}">
+                <a16:creationId xmlns:a16="http://schemas.microsoft.com/office/drawing/2014/main" id="{6E13FCEC-1D84-FEFE-BC7B-0437AEA91933}"/>
+              </a:ext>
+            </a:extLst>
+          </p:cNvPr>
+          <p:cNvPicPr>
+            <a:picLocks noChangeAspect="1"/>
+          </p:cNvPicPr>
+          <p:nvPr/>
+        </p:nvPicPr>
+        <p:blipFill>
+          <a:blip r:embed="rId2"/>
+          <a:stretch>
+            <a:fillRect/>
+          </a:stretch>
+        </p:blipFill>
+        <p:spPr>
+          <a:xfrm>
+            <a:off x="2334852" y="1514165"/>
+            <a:ext cx="5993603" cy="940911"/>
+          </a:xfrm>
+          <a:prstGeom prst="rect">
+            <a:avLst/>
+          </a:prstGeom>
+        </p:spPr>
+      </p:pic>
+      <p:pic>
+        <p:nvPicPr>
+          <p:cNvPr id="11" name="Picture 10">
+            <a:extLst>
+              <a:ext uri="{FF2B5EF4-FFF2-40B4-BE49-F238E27FC236}">
+                <a16:creationId xmlns:a16="http://schemas.microsoft.com/office/drawing/2014/main" id="{762C1F12-F860-63FB-B333-E5B3FCA71106}"/>
+              </a:ext>
+            </a:extLst>
+          </p:cNvPr>
+          <p:cNvPicPr>
+            <a:picLocks noChangeAspect="1"/>
+          </p:cNvPicPr>
+          <p:nvPr/>
+        </p:nvPicPr>
+        <p:blipFill>
+          <a:blip r:embed="rId3"/>
+          <a:stretch>
+            <a:fillRect/>
+          </a:stretch>
+        </p:blipFill>
+        <p:spPr>
+          <a:xfrm>
+            <a:off x="2186570" y="2644860"/>
+            <a:ext cx="6067744" cy="784140"/>
+          </a:xfrm>
+          <a:prstGeom prst="rect">
+            <a:avLst/>
+          </a:prstGeom>
+        </p:spPr>
+      </p:pic>
+      <p:sp>
+        <p:nvSpPr>
+          <p:cNvPr id="12" name="Content Placeholder 2">
+            <a:extLst>
+              <a:ext uri="{FF2B5EF4-FFF2-40B4-BE49-F238E27FC236}">
+                <a16:creationId xmlns:a16="http://schemas.microsoft.com/office/drawing/2014/main" id="{07F5335A-D809-87C0-0081-734CBA2DCCFA}"/>
+              </a:ext>
+            </a:extLst>
+          </p:cNvPr>
+          <p:cNvSpPr>
+            <a:spLocks noGrp="1"/>
+          </p:cNvSpPr>
+          <p:nvPr>
+            <p:ph idx="1"/>
+          </p:nvPr>
+        </p:nvSpPr>
+        <p:spPr>
+          <a:xfrm>
+            <a:off x="838200" y="1825624"/>
+            <a:ext cx="10515600" cy="3724149"/>
+          </a:xfrm>
+        </p:spPr>
+        <p:txBody>
+          <a:bodyPr>
+            <a:noAutofit/>
+          </a:bodyPr>
+          <a:lstStyle/>
+          <a:p>
+            <a:pPr algn="l"/>
+            <a:r>
+              <a:rPr lang="en-US" altLang="zh-TW" sz="2400" dirty="0">
+                <a:latin typeface="Times New Roman" panose="02020603050405020304" pitchFamily="18" charset="0"/>
+                <a:ea typeface="新細明體" panose="02020500000000000000" pitchFamily="18" charset="-120"/>
+                <a:cs typeface="Times New Roman" panose="02020603050405020304" pitchFamily="18" charset="0"/>
+              </a:rPr>
+              <a:t>2025:</a:t>
+            </a:r>
+          </a:p>
+          <a:p>
+            <a:pPr marL="0" indent="0" algn="l">
+              <a:buNone/>
+            </a:pPr>
+            <a:endParaRPr lang="en-US" altLang="zh-TW" sz="2400" i="0" dirty="0">
+              <a:solidFill>
+                <a:srgbClr val="333333"/>
+              </a:solidFill>
+              <a:effectLst/>
+              <a:latin typeface="Times New Roman" panose="02020603050405020304" pitchFamily="18" charset="0"/>
+              <a:cs typeface="Times New Roman" panose="02020603050405020304" pitchFamily="18" charset="0"/>
+            </a:endParaRPr>
+          </a:p>
+          <a:p>
+            <a:pPr algn="l"/>
+            <a:r>
+              <a:rPr lang="en-US" altLang="zh-TW" sz="2400">
+                <a:solidFill>
+                  <a:srgbClr val="333333"/>
+                </a:solidFill>
+                <a:latin typeface="Times New Roman" panose="02020603050405020304" pitchFamily="18" charset="0"/>
+                <a:cs typeface="Times New Roman" panose="02020603050405020304" pitchFamily="18" charset="0"/>
+              </a:rPr>
+              <a:t>2024:</a:t>
+            </a:r>
+            <a:endParaRPr lang="en-US" altLang="zh-TW" sz="2400" i="0" dirty="0">
+              <a:solidFill>
+                <a:srgbClr val="333333"/>
+              </a:solidFill>
+              <a:effectLst/>
+              <a:latin typeface="Times New Roman" panose="02020603050405020304" pitchFamily="18" charset="0"/>
+              <a:cs typeface="Times New Roman" panose="02020603050405020304" pitchFamily="18" charset="0"/>
+            </a:endParaRPr>
+          </a:p>
+        </p:txBody>
+      </p:sp>
+      <p:pic>
+        <p:nvPicPr>
+          <p:cNvPr id="14" name="Picture 13">
+            <a:extLst>
+              <a:ext uri="{FF2B5EF4-FFF2-40B4-BE49-F238E27FC236}">
+                <a16:creationId xmlns:a16="http://schemas.microsoft.com/office/drawing/2014/main" id="{6DB1B881-27BE-49B5-A6E2-7E2522FAAC1C}"/>
+              </a:ext>
+            </a:extLst>
+          </p:cNvPr>
+          <p:cNvPicPr>
+            <a:picLocks noChangeAspect="1"/>
+          </p:cNvPicPr>
+          <p:nvPr/>
+        </p:nvPicPr>
+        <p:blipFill>
+          <a:blip r:embed="rId4"/>
+          <a:stretch>
+            <a:fillRect/>
+          </a:stretch>
+        </p:blipFill>
+        <p:spPr>
+          <a:xfrm>
+            <a:off x="193722" y="3618784"/>
+            <a:ext cx="5181468" cy="3072619"/>
+          </a:xfrm>
+          <a:prstGeom prst="rect">
+            <a:avLst/>
+          </a:prstGeom>
+        </p:spPr>
+      </p:pic>
+      <p:sp>
+        <p:nvSpPr>
+          <p:cNvPr id="15" name="Rectangle 14">
+            <a:extLst>
+              <a:ext uri="{FF2B5EF4-FFF2-40B4-BE49-F238E27FC236}">
+                <a16:creationId xmlns:a16="http://schemas.microsoft.com/office/drawing/2014/main" id="{4B04F9B0-CDD5-8BDF-740C-275DAC370652}"/>
+              </a:ext>
+            </a:extLst>
+          </p:cNvPr>
+          <p:cNvSpPr/>
+          <p:nvPr/>
+        </p:nvSpPr>
+        <p:spPr>
+          <a:xfrm>
+            <a:off x="7364627" y="2860589"/>
+            <a:ext cx="562232" cy="308919"/>
+          </a:xfrm>
+          <a:prstGeom prst="rect">
+            <a:avLst/>
+          </a:prstGeom>
+          <a:noFill/>
+          <a:ln>
+            <a:solidFill>
+              <a:srgbClr val="FF0000"/>
+            </a:solidFill>
+          </a:ln>
+        </p:spPr>
+        <p:style>
+          <a:lnRef idx="2">
+            <a:schemeClr val="accent1">
+              <a:shade val="15000"/>
+            </a:schemeClr>
+          </a:lnRef>
+          <a:fillRef idx="1">
+            <a:schemeClr val="accent1"/>
+          </a:fillRef>
+          <a:effectRef idx="0">
+            <a:schemeClr val="accent1"/>
+          </a:effectRef>
+          <a:fontRef idx="minor">
+            <a:schemeClr val="lt1"/>
+          </a:fontRef>
+        </p:style>
+        <p:txBody>
+          <a:bodyPr rtlCol="0" anchor="ctr"/>
+          <a:lstStyle/>
+          <a:p>
+            <a:pPr algn="ctr"/>
+            <a:endParaRPr lang="zh-TW" altLang="en-US"/>
+          </a:p>
+        </p:txBody>
+      </p:sp>
+    </p:spTree>
+    <p:extLst>
+      <p:ext uri="{BB962C8B-B14F-4D97-AF65-F5344CB8AC3E}">
+        <p14:creationId xmlns:p14="http://schemas.microsoft.com/office/powerpoint/2010/main" val="4076210884"/>
+      </p:ext>
+    </p:extLst>
+  </p:cSld>
+  <p:clrMapOvr>
+    <a:masterClrMapping/>
+  </p:clrMapOvr>
+</p:sld>
+</file>
+
+<file path=ppt/slides/slide4.xml><?xml version="1.0" encoding="utf-8"?>
+<p:sld xmlns:a="http://schemas.openxmlformats.org/drawingml/2006/main" xmlns:r="http://schemas.openxmlformats.org/officeDocument/2006/relationships" xmlns:p="http://schemas.openxmlformats.org/presentationml/2006/main">
+  <p:cSld>
+    <p:spTree>
+      <p:nvGrpSpPr>
+        <p:cNvPr id="1" name="">
+          <a:extLst>
+            <a:ext uri="{FF2B5EF4-FFF2-40B4-BE49-F238E27FC236}">
+              <a16:creationId xmlns:a16="http://schemas.microsoft.com/office/drawing/2014/main" id="{41E3A742-02AA-FD83-6D24-D8775E707AF1}"/>
+            </a:ext>
+          </a:extLst>
+        </p:cNvPr>
+        <p:cNvGrpSpPr/>
+        <p:nvPr/>
+      </p:nvGrpSpPr>
+      <p:grpSpPr>
+        <a:xfrm>
+          <a:off x="0" y="0"/>
+          <a:ext cx="0" cy="0"/>
+          <a:chOff x="0" y="0"/>
+          <a:chExt cx="0" cy="0"/>
+        </a:xfrm>
+      </p:grpSpPr>
+      <p:sp>
+        <p:nvSpPr>
+          <p:cNvPr id="2" name="Title 1">
+            <a:extLst>
+              <a:ext uri="{FF2B5EF4-FFF2-40B4-BE49-F238E27FC236}">
+                <a16:creationId xmlns:a16="http://schemas.microsoft.com/office/drawing/2014/main" id="{FFF1AD4E-A0D9-59D1-2940-8C1F854711CA}"/>
+              </a:ext>
+            </a:extLst>
+          </p:cNvPr>
+          <p:cNvSpPr>
+            <a:spLocks noGrp="1"/>
+          </p:cNvSpPr>
+          <p:nvPr>
+            <p:ph type="title"/>
+          </p:nvPr>
+        </p:nvSpPr>
+        <p:spPr/>
+        <p:txBody>
+          <a:bodyPr>
+            <a:normAutofit/>
+          </a:bodyPr>
+          <a:lstStyle/>
+          <a:p>
+            <a:r>
+              <a:rPr lang="en-US" altLang="zh-TW" sz="4000" dirty="0">
+                <a:latin typeface="Times New Roman" panose="02020603050405020304" pitchFamily="18" charset="0"/>
+                <a:cs typeface="Times New Roman" panose="02020603050405020304" pitchFamily="18" charset="0"/>
+              </a:rPr>
+              <a:t>Contest Objective</a:t>
+            </a:r>
+            <a:endParaRPr lang="zh-TW" altLang="en-US" sz="4000" dirty="0">
+              <a:latin typeface="Times New Roman" panose="02020603050405020304" pitchFamily="18" charset="0"/>
+              <a:cs typeface="Times New Roman" panose="02020603050405020304" pitchFamily="18" charset="0"/>
+            </a:endParaRPr>
+          </a:p>
+        </p:txBody>
+      </p:sp>
+      <p:sp>
+        <p:nvSpPr>
+          <p:cNvPr id="4" name="投影片編號版面配置區 3">
+            <a:extLst>
+              <a:ext uri="{FF2B5EF4-FFF2-40B4-BE49-F238E27FC236}">
+                <a16:creationId xmlns:a16="http://schemas.microsoft.com/office/drawing/2014/main" id="{AF1B160F-1DA0-C3E4-EDFF-A0EF03CAED0E}"/>
+              </a:ext>
+            </a:extLst>
+          </p:cNvPr>
+          <p:cNvSpPr>
+            <a:spLocks noGrp="1"/>
+          </p:cNvSpPr>
+          <p:nvPr>
+            <p:ph type="sldNum" sz="quarter" idx="12"/>
+          </p:nvPr>
+        </p:nvSpPr>
+        <p:spPr>
+          <a:xfrm>
+            <a:off x="8610600" y="6310312"/>
+            <a:ext cx="2743200" cy="365125"/>
+          </a:xfrm>
+        </p:spPr>
+        <p:txBody>
+          <a:bodyPr/>
+          <a:lstStyle/>
+          <a:p>
+            <a:fld id="{9CF5A83B-F48D-49CA-94CB-9DE72BA4E651}" type="slidenum">
+              <a:rPr lang="zh-TW" altLang="en-US" smtClean="0">
+                <a:solidFill>
+                  <a:schemeClr val="tx1"/>
+                </a:solidFill>
+              </a:rPr>
+              <a:t>4</a:t>
+            </a:fld>
+            <a:endParaRPr lang="zh-TW" altLang="en-US" dirty="0">
+              <a:solidFill>
+                <a:schemeClr val="tx1"/>
+              </a:solidFill>
+            </a:endParaRPr>
+          </a:p>
+        </p:txBody>
+      </p:sp>
+      <p:sp>
+        <p:nvSpPr>
+          <p:cNvPr id="12" name="Content Placeholder 2">
+            <a:extLst>
+              <a:ext uri="{FF2B5EF4-FFF2-40B4-BE49-F238E27FC236}">
+                <a16:creationId xmlns:a16="http://schemas.microsoft.com/office/drawing/2014/main" id="{BA0C352C-2877-8C9C-81C6-6296B760B894}"/>
+              </a:ext>
+            </a:extLst>
+          </p:cNvPr>
+          <p:cNvSpPr>
+            <a:spLocks noGrp="1"/>
+          </p:cNvSpPr>
+          <p:nvPr>
+            <p:ph idx="1"/>
+          </p:nvPr>
+        </p:nvSpPr>
+        <p:spPr>
+          <a:xfrm>
+            <a:off x="838200" y="1825624"/>
+            <a:ext cx="10515600" cy="3724149"/>
+          </a:xfrm>
+        </p:spPr>
+        <p:txBody>
+          <a:bodyPr>
+            <a:noAutofit/>
+          </a:bodyPr>
+          <a:lstStyle/>
+          <a:p>
+            <a:r>
+              <a:rPr lang="en-US" altLang="zh-TW" sz="2400" b="0" i="0" u="none" strike="noStrike" baseline="0" dirty="0">
+                <a:solidFill>
+                  <a:srgbClr val="000000"/>
+                </a:solidFill>
+                <a:latin typeface="Calibri" panose="020F0502020204030204" pitchFamily="34" charset="0"/>
+              </a:rPr>
+              <a:t>Banking / Debanking Criteria :</a:t>
+            </a:r>
+          </a:p>
+          <a:p>
+            <a:pPr lvl="1"/>
+            <a:r>
+              <a:rPr lang="en-US" altLang="zh-TW" sz="2200" dirty="0">
+                <a:solidFill>
+                  <a:srgbClr val="000000"/>
+                </a:solidFill>
+                <a:latin typeface="Calibri" panose="020F0502020204030204" pitchFamily="34" charset="0"/>
+              </a:rPr>
+              <a:t>A</a:t>
+            </a:r>
+            <a:r>
+              <a:rPr lang="en-US" altLang="zh-TW" sz="2200" b="0" i="0" u="none" strike="noStrike" baseline="0" dirty="0">
+                <a:solidFill>
+                  <a:srgbClr val="000000"/>
+                </a:solidFill>
+                <a:latin typeface="Calibri" panose="020F0502020204030204" pitchFamily="34" charset="0"/>
+              </a:rPr>
+              <a:t>ll D pin and Q pin connections need to remain functionally equivalent after banking /</a:t>
+            </a:r>
+            <a:r>
+              <a:rPr lang="zh-TW" altLang="en-US" sz="2200" b="0" i="0" u="none" strike="noStrike" baseline="0" dirty="0">
+                <a:solidFill>
+                  <a:srgbClr val="000000"/>
+                </a:solidFill>
+                <a:latin typeface="Calibri" panose="020F0502020204030204" pitchFamily="34" charset="0"/>
+              </a:rPr>
+              <a:t> </a:t>
+            </a:r>
+            <a:r>
+              <a:rPr lang="en-US" altLang="zh-TW" sz="2200" b="0" i="0" u="none" strike="noStrike" baseline="0" dirty="0">
+                <a:solidFill>
+                  <a:srgbClr val="000000"/>
+                </a:solidFill>
+                <a:latin typeface="Calibri" panose="020F0502020204030204" pitchFamily="34" charset="0"/>
+              </a:rPr>
+              <a:t>debanking, and all CLK pins need to remain connected to the same clock net. </a:t>
+            </a:r>
+          </a:p>
+          <a:p>
+            <a:pPr lvl="1"/>
+            <a:endParaRPr lang="en-US" altLang="zh-TW" sz="2200" b="0" i="0" u="none" strike="noStrike" baseline="0" dirty="0">
+              <a:solidFill>
+                <a:srgbClr val="000000"/>
+              </a:solidFill>
+              <a:latin typeface="Calibri" panose="020F0502020204030204" pitchFamily="34" charset="0"/>
+            </a:endParaRPr>
+          </a:p>
+          <a:p>
+            <a:pPr lvl="1"/>
+            <a:r>
+              <a:rPr lang="en-US" altLang="zh-TW" sz="2200" b="0" i="0" u="none" strike="noStrike" baseline="0" dirty="0">
+                <a:solidFill>
+                  <a:srgbClr val="000000"/>
+                </a:solidFill>
+                <a:latin typeface="Calibri" panose="020F0502020204030204" pitchFamily="34" charset="0"/>
+              </a:rPr>
+              <a:t>If there is any </a:t>
+            </a:r>
+            <a:r>
+              <a:rPr lang="en-US" altLang="zh-TW" sz="2200" b="0" i="0" u="none" strike="noStrike" baseline="0" dirty="0">
+                <a:solidFill>
+                  <a:srgbClr val="FF0000"/>
+                </a:solidFill>
+                <a:latin typeface="Calibri" panose="020F0502020204030204" pitchFamily="34" charset="0"/>
+              </a:rPr>
+              <a:t>design for testability (DFT) scan chain connection </a:t>
+            </a:r>
+            <a:r>
+              <a:rPr lang="en-US" altLang="zh-TW" sz="2200" b="0" i="0" u="none" strike="noStrike" baseline="0" dirty="0">
+                <a:solidFill>
+                  <a:srgbClr val="000000"/>
+                </a:solidFill>
+                <a:latin typeface="Calibri" panose="020F0502020204030204" pitchFamily="34" charset="0"/>
+              </a:rPr>
+              <a:t>on scan-input (SI) or scan-output (SO) pins of the higher-bit flip-flops, the banking / debanking process should </a:t>
+            </a:r>
+            <a:r>
+              <a:rPr lang="en-US" altLang="zh-TW" sz="2200" b="0" i="0" u="none" strike="noStrike" baseline="0" dirty="0">
+                <a:solidFill>
+                  <a:srgbClr val="FF0000"/>
+                </a:solidFill>
+                <a:latin typeface="Calibri" panose="020F0502020204030204" pitchFamily="34" charset="0"/>
+              </a:rPr>
+              <a:t>honor the scan chain connection</a:t>
+            </a:r>
+            <a:r>
+              <a:rPr lang="en-US" altLang="zh-TW" sz="2200" b="0" i="0" u="none" strike="noStrike" baseline="0" dirty="0">
+                <a:solidFill>
+                  <a:srgbClr val="000000"/>
+                </a:solidFill>
+                <a:latin typeface="Calibri" panose="020F0502020204030204" pitchFamily="34" charset="0"/>
+              </a:rPr>
+              <a:t>.</a:t>
+            </a:r>
+          </a:p>
+          <a:p>
+            <a:endParaRPr lang="en-US" altLang="zh-TW" sz="2400" i="0" dirty="0">
+              <a:solidFill>
+                <a:srgbClr val="333333"/>
+              </a:solidFill>
+              <a:effectLst/>
+              <a:latin typeface="Times New Roman" panose="02020603050405020304" pitchFamily="18" charset="0"/>
+              <a:cs typeface="Times New Roman" panose="02020603050405020304" pitchFamily="18" charset="0"/>
+            </a:endParaRPr>
+          </a:p>
+        </p:txBody>
+      </p:sp>
+      <p:pic>
+        <p:nvPicPr>
+          <p:cNvPr id="5" name="Picture 4">
+            <a:extLst>
+              <a:ext uri="{FF2B5EF4-FFF2-40B4-BE49-F238E27FC236}">
+                <a16:creationId xmlns:a16="http://schemas.microsoft.com/office/drawing/2014/main" id="{631EF7FA-435C-6977-8678-F0C04CAA74C4}"/>
+              </a:ext>
+            </a:extLst>
+          </p:cNvPr>
+          <p:cNvPicPr>
+            <a:picLocks noChangeAspect="1"/>
+          </p:cNvPicPr>
+          <p:nvPr/>
+        </p:nvPicPr>
+        <p:blipFill>
+          <a:blip r:embed="rId2"/>
+          <a:srcRect t="2936" b="16549"/>
+          <a:stretch/>
+        </p:blipFill>
+        <p:spPr>
+          <a:xfrm>
+            <a:off x="4012162" y="4339657"/>
+            <a:ext cx="5014449" cy="2420232"/>
+          </a:xfrm>
+          <a:prstGeom prst="rect">
+            <a:avLst/>
+          </a:prstGeom>
+        </p:spPr>
+      </p:pic>
+    </p:spTree>
+    <p:extLst>
+      <p:ext uri="{BB962C8B-B14F-4D97-AF65-F5344CB8AC3E}">
+        <p14:creationId xmlns:p14="http://schemas.microsoft.com/office/powerpoint/2010/main" val="1436749394"/>
       </p:ext>
     </p:extLst>
   </p:cSld>

--- a/ICCAD/題目介紹.pptx
+++ b/ICCAD/題目介紹.pptx
@@ -9,6 +9,10 @@
     <p:sldId id="279" r:id="rId3"/>
     <p:sldId id="281" r:id="rId4"/>
     <p:sldId id="282" r:id="rId5"/>
+    <p:sldId id="286" r:id="rId6"/>
+    <p:sldId id="285" r:id="rId7"/>
+    <p:sldId id="288" r:id="rId8"/>
+    <p:sldId id="290" r:id="rId9"/>
   </p:sldIdLst>
   <p:sldSz cx="12192000" cy="6858000"/>
   <p:notesSz cx="6858000" cy="9144000"/>
@@ -262,7 +266,7 @@
           <a:p>
             <a:fld id="{77AC632A-AFFA-4C79-87CA-C619F2C3B321}" type="datetimeFigureOut">
               <a:rPr lang="zh-TW" altLang="en-US" smtClean="0"/>
-              <a:t>2025/3/24</a:t>
+              <a:t>2025/3/25</a:t>
             </a:fld>
             <a:endParaRPr lang="zh-TW" altLang="en-US"/>
           </a:p>
@@ -460,7 +464,7 @@
           <a:p>
             <a:fld id="{77AC632A-AFFA-4C79-87CA-C619F2C3B321}" type="datetimeFigureOut">
               <a:rPr lang="zh-TW" altLang="en-US" smtClean="0"/>
-              <a:t>2025/3/24</a:t>
+              <a:t>2025/3/25</a:t>
             </a:fld>
             <a:endParaRPr lang="zh-TW" altLang="en-US"/>
           </a:p>
@@ -668,7 +672,7 @@
           <a:p>
             <a:fld id="{77AC632A-AFFA-4C79-87CA-C619F2C3B321}" type="datetimeFigureOut">
               <a:rPr lang="zh-TW" altLang="en-US" smtClean="0"/>
-              <a:t>2025/3/24</a:t>
+              <a:t>2025/3/25</a:t>
             </a:fld>
             <a:endParaRPr lang="zh-TW" altLang="en-US"/>
           </a:p>
@@ -866,7 +870,7 @@
           <a:p>
             <a:fld id="{77AC632A-AFFA-4C79-87CA-C619F2C3B321}" type="datetimeFigureOut">
               <a:rPr lang="zh-TW" altLang="en-US" smtClean="0"/>
-              <a:t>2025/3/24</a:t>
+              <a:t>2025/3/25</a:t>
             </a:fld>
             <a:endParaRPr lang="zh-TW" altLang="en-US"/>
           </a:p>
@@ -1141,7 +1145,7 @@
           <a:p>
             <a:fld id="{77AC632A-AFFA-4C79-87CA-C619F2C3B321}" type="datetimeFigureOut">
               <a:rPr lang="zh-TW" altLang="en-US" smtClean="0"/>
-              <a:t>2025/3/24</a:t>
+              <a:t>2025/3/25</a:t>
             </a:fld>
             <a:endParaRPr lang="zh-TW" altLang="en-US"/>
           </a:p>
@@ -1406,7 +1410,7 @@
           <a:p>
             <a:fld id="{77AC632A-AFFA-4C79-87CA-C619F2C3B321}" type="datetimeFigureOut">
               <a:rPr lang="zh-TW" altLang="en-US" smtClean="0"/>
-              <a:t>2025/3/24</a:t>
+              <a:t>2025/3/25</a:t>
             </a:fld>
             <a:endParaRPr lang="zh-TW" altLang="en-US"/>
           </a:p>
@@ -1818,7 +1822,7 @@
           <a:p>
             <a:fld id="{77AC632A-AFFA-4C79-87CA-C619F2C3B321}" type="datetimeFigureOut">
               <a:rPr lang="zh-TW" altLang="en-US" smtClean="0"/>
-              <a:t>2025/3/24</a:t>
+              <a:t>2025/3/25</a:t>
             </a:fld>
             <a:endParaRPr lang="zh-TW" altLang="en-US"/>
           </a:p>
@@ -1959,7 +1963,7 @@
           <a:p>
             <a:fld id="{77AC632A-AFFA-4C79-87CA-C619F2C3B321}" type="datetimeFigureOut">
               <a:rPr lang="zh-TW" altLang="en-US" smtClean="0"/>
-              <a:t>2025/3/24</a:t>
+              <a:t>2025/3/25</a:t>
             </a:fld>
             <a:endParaRPr lang="zh-TW" altLang="en-US"/>
           </a:p>
@@ -2072,7 +2076,7 @@
           <a:p>
             <a:fld id="{77AC632A-AFFA-4C79-87CA-C619F2C3B321}" type="datetimeFigureOut">
               <a:rPr lang="zh-TW" altLang="en-US" smtClean="0"/>
-              <a:t>2025/3/24</a:t>
+              <a:t>2025/3/25</a:t>
             </a:fld>
             <a:endParaRPr lang="zh-TW" altLang="en-US"/>
           </a:p>
@@ -2383,7 +2387,7 @@
           <a:p>
             <a:fld id="{77AC632A-AFFA-4C79-87CA-C619F2C3B321}" type="datetimeFigureOut">
               <a:rPr lang="zh-TW" altLang="en-US" smtClean="0"/>
-              <a:t>2025/3/24</a:t>
+              <a:t>2025/3/25</a:t>
             </a:fld>
             <a:endParaRPr lang="zh-TW" altLang="en-US"/>
           </a:p>
@@ -2671,7 +2675,7 @@
           <a:p>
             <a:fld id="{77AC632A-AFFA-4C79-87CA-C619F2C3B321}" type="datetimeFigureOut">
               <a:rPr lang="zh-TW" altLang="en-US" smtClean="0"/>
-              <a:t>2025/3/24</a:t>
+              <a:t>2025/3/25</a:t>
             </a:fld>
             <a:endParaRPr lang="zh-TW" altLang="en-US"/>
           </a:p>
@@ -2912,7 +2916,7 @@
           <a:p>
             <a:fld id="{77AC632A-AFFA-4C79-87CA-C619F2C3B321}" type="datetimeFigureOut">
               <a:rPr lang="zh-TW" altLang="en-US" smtClean="0"/>
-              <a:t>2025/3/24</a:t>
+              <a:t>2025/3/25</a:t>
             </a:fld>
             <a:endParaRPr lang="zh-TW" altLang="en-US"/>
           </a:p>
@@ -4059,7 +4063,7 @@
         </p:blipFill>
         <p:spPr>
           <a:xfrm>
-            <a:off x="193722" y="3618784"/>
+            <a:off x="3429132" y="3602818"/>
             <a:ext cx="5181468" cy="3072619"/>
           </a:xfrm>
           <a:prstGeom prst="rect">
@@ -4183,7 +4187,7 @@
                 <a:latin typeface="Times New Roman" panose="02020603050405020304" pitchFamily="18" charset="0"/>
                 <a:cs typeface="Times New Roman" panose="02020603050405020304" pitchFamily="18" charset="0"/>
               </a:rPr>
-              <a:t>Contest Objective</a:t>
+              <a:t>Constraints</a:t>
             </a:r>
             <a:endParaRPr lang="zh-TW" altLang="en-US" sz="4000" dirty="0">
               <a:latin typeface="Times New Roman" panose="02020603050405020304" pitchFamily="18" charset="0"/>
@@ -4253,7 +4257,7 @@
         <p:spPr>
           <a:xfrm>
             <a:off x="838200" y="1825624"/>
-            <a:ext cx="10515600" cy="3724149"/>
+            <a:ext cx="10515600" cy="4849813"/>
           </a:xfrm>
         </p:spPr>
         <p:txBody>
@@ -4263,11 +4267,55 @@
           <a:lstStyle/>
           <a:p>
             <a:r>
-              <a:rPr lang="en-US" altLang="zh-TW" sz="2400" b="0" i="0" u="none" strike="noStrike" baseline="0" dirty="0">
+              <a:rPr lang="en-US" altLang="zh-TW" sz="2000" b="0" i="0" u="none" strike="noStrike" baseline="0" dirty="0">
                 <a:solidFill>
                   <a:srgbClr val="000000"/>
                 </a:solidFill>
-                <a:latin typeface="Calibri" panose="020F0502020204030204" pitchFamily="34" charset="0"/>
+                <a:latin typeface="Times New Roman" panose="02020603050405020304" pitchFamily="18" charset="0"/>
+                <a:cs typeface="Times New Roman" panose="02020603050405020304" pitchFamily="18" charset="0"/>
+              </a:rPr>
+              <a:t>All instances must be placed on-site and within the die region. </a:t>
+            </a:r>
+          </a:p>
+          <a:p>
+            <a:r>
+              <a:rPr lang="en-US" altLang="zh-TW" sz="2000" b="0" i="0" u="none" strike="noStrike" baseline="0" dirty="0">
+                <a:solidFill>
+                  <a:srgbClr val="000000"/>
+                </a:solidFill>
+                <a:latin typeface="Times New Roman" panose="02020603050405020304" pitchFamily="18" charset="0"/>
+                <a:cs typeface="Times New Roman" panose="02020603050405020304" pitchFamily="18" charset="0"/>
+              </a:rPr>
+              <a:t>No overlap</a:t>
+            </a:r>
+          </a:p>
+          <a:p>
+            <a:r>
+              <a:rPr lang="en-US" altLang="zh-TW" sz="2000" dirty="0">
+                <a:solidFill>
+                  <a:srgbClr val="FF0000"/>
+                </a:solidFill>
+                <a:latin typeface="Times New Roman" panose="02020603050405020304" pitchFamily="18" charset="0"/>
+                <a:cs typeface="Times New Roman" panose="02020603050405020304" pitchFamily="18" charset="0"/>
+              </a:rPr>
+              <a:t>Must satisfy utilization rate of each bin </a:t>
+            </a:r>
+            <a:endParaRPr lang="en-US" altLang="zh-TW" sz="2000" b="0" i="0" u="none" strike="noStrike" baseline="0" dirty="0">
+              <a:solidFill>
+                <a:srgbClr val="FF0000"/>
+              </a:solidFill>
+              <a:latin typeface="Times New Roman" panose="02020603050405020304" pitchFamily="18" charset="0"/>
+              <a:cs typeface="Times New Roman" panose="02020603050405020304" pitchFamily="18" charset="0"/>
+            </a:endParaRPr>
+          </a:p>
+          <a:p>
+            <a:r>
+              <a:rPr lang="en-US" altLang="zh-TW" sz="2000" b="0" i="0" u="none" strike="noStrike" baseline="0" dirty="0">
+                <a:solidFill>
+                  <a:srgbClr val="000000"/>
+                </a:solidFill>
+                <a:latin typeface="Times New Roman" panose="02020603050405020304" pitchFamily="18" charset="0"/>
+                <a:cs typeface="Times New Roman" panose="02020603050405020304" pitchFamily="18" charset="0"/>
               </a:rPr>
               <a:t>Banking / Debanking Criteria :</a:t>
             </a:r>
@@ -4275,95 +4323,135 @@
           <a:p>
             <a:pPr lvl="1"/>
             <a:r>
-              <a:rPr lang="en-US" altLang="zh-TW" sz="2200" dirty="0">
+              <a:rPr lang="en-US" altLang="zh-TW" sz="2000" dirty="0">
                 <a:solidFill>
                   <a:srgbClr val="000000"/>
                 </a:solidFill>
-                <a:latin typeface="Calibri" panose="020F0502020204030204" pitchFamily="34" charset="0"/>
+                <a:latin typeface="Times New Roman" panose="02020603050405020304" pitchFamily="18" charset="0"/>
+                <a:cs typeface="Times New Roman" panose="02020603050405020304" pitchFamily="18" charset="0"/>
               </a:rPr>
               <a:t>A</a:t>
             </a:r>
             <a:r>
-              <a:rPr lang="en-US" altLang="zh-TW" sz="2200" b="0" i="0" u="none" strike="noStrike" baseline="0" dirty="0">
+              <a:rPr lang="en-US" altLang="zh-TW" sz="2000" b="0" i="0" u="none" strike="noStrike" baseline="0" dirty="0">
                 <a:solidFill>
                   <a:srgbClr val="000000"/>
                 </a:solidFill>
-                <a:latin typeface="Calibri" panose="020F0502020204030204" pitchFamily="34" charset="0"/>
-              </a:rPr>
-              <a:t>ll D pin and Q pin connections need to remain functionally equivalent after banking /</a:t>
-            </a:r>
-            <a:r>
-              <a:rPr lang="zh-TW" altLang="en-US" sz="2200" b="0" i="0" u="none" strike="noStrike" baseline="0" dirty="0">
+                <a:latin typeface="Times New Roman" panose="02020603050405020304" pitchFamily="18" charset="0"/>
+                <a:cs typeface="Times New Roman" panose="02020603050405020304" pitchFamily="18" charset="0"/>
+              </a:rPr>
+              <a:t>ll </a:t>
+            </a:r>
+            <a:r>
+              <a:rPr lang="en-US" altLang="zh-TW" sz="2000" b="0" i="0" u="none" strike="noStrike" baseline="0" dirty="0">
+                <a:solidFill>
+                  <a:srgbClr val="0070C0"/>
+                </a:solidFill>
+                <a:latin typeface="Times New Roman" panose="02020603050405020304" pitchFamily="18" charset="0"/>
+                <a:cs typeface="Times New Roman" panose="02020603050405020304" pitchFamily="18" charset="0"/>
+              </a:rPr>
+              <a:t>D pin and Q pin connections need to remain functionally equivalent </a:t>
+            </a:r>
+            <a:r>
+              <a:rPr lang="en-US" altLang="zh-TW" sz="2000" b="0" i="0" u="none" strike="noStrike" baseline="0" dirty="0">
                 <a:solidFill>
                   <a:srgbClr val="000000"/>
                 </a:solidFill>
-                <a:latin typeface="Calibri" panose="020F0502020204030204" pitchFamily="34" charset="0"/>
+                <a:latin typeface="Times New Roman" panose="02020603050405020304" pitchFamily="18" charset="0"/>
+                <a:cs typeface="Times New Roman" panose="02020603050405020304" pitchFamily="18" charset="0"/>
+              </a:rPr>
+              <a:t>after banking /</a:t>
+            </a:r>
+            <a:r>
+              <a:rPr lang="zh-TW" altLang="en-US" sz="2000" b="0" i="0" u="none" strike="noStrike" baseline="0" dirty="0">
+                <a:solidFill>
+                  <a:srgbClr val="000000"/>
+                </a:solidFill>
+                <a:latin typeface="Times New Roman" panose="02020603050405020304" pitchFamily="18" charset="0"/>
+                <a:cs typeface="Times New Roman" panose="02020603050405020304" pitchFamily="18" charset="0"/>
               </a:rPr>
               <a:t> </a:t>
             </a:r>
             <a:r>
-              <a:rPr lang="en-US" altLang="zh-TW" sz="2200" b="0" i="0" u="none" strike="noStrike" baseline="0" dirty="0">
+              <a:rPr lang="en-US" altLang="zh-TW" sz="2000" b="0" i="0" u="none" strike="noStrike" baseline="0" dirty="0">
                 <a:solidFill>
                   <a:srgbClr val="000000"/>
                 </a:solidFill>
-                <a:latin typeface="Calibri" panose="020F0502020204030204" pitchFamily="34" charset="0"/>
-              </a:rPr>
-              <a:t>debanking, and all CLK pins need to remain connected to the same clock net. </a:t>
+                <a:latin typeface="Times New Roman" panose="02020603050405020304" pitchFamily="18" charset="0"/>
+                <a:cs typeface="Times New Roman" panose="02020603050405020304" pitchFamily="18" charset="0"/>
+              </a:rPr>
+              <a:t>debanking, and all </a:t>
+            </a:r>
+            <a:r>
+              <a:rPr lang="en-US" altLang="zh-TW" sz="2000" b="0" i="0" u="none" strike="noStrike" baseline="0" dirty="0">
+                <a:solidFill>
+                  <a:srgbClr val="0070C0"/>
+                </a:solidFill>
+                <a:latin typeface="Times New Roman" panose="02020603050405020304" pitchFamily="18" charset="0"/>
+                <a:cs typeface="Times New Roman" panose="02020603050405020304" pitchFamily="18" charset="0"/>
+              </a:rPr>
+              <a:t>CLK pins need to remain connected to the same clock net</a:t>
+            </a:r>
+            <a:r>
+              <a:rPr lang="en-US" altLang="zh-TW" sz="2000" b="0" i="0" u="none" strike="noStrike" baseline="0" dirty="0">
+                <a:solidFill>
+                  <a:srgbClr val="000000"/>
+                </a:solidFill>
+                <a:latin typeface="Times New Roman" panose="02020603050405020304" pitchFamily="18" charset="0"/>
+                <a:cs typeface="Times New Roman" panose="02020603050405020304" pitchFamily="18" charset="0"/>
+              </a:rPr>
+              <a:t>. </a:t>
             </a:r>
           </a:p>
           <a:p>
             <a:pPr lvl="1"/>
-            <a:endParaRPr lang="en-US" altLang="zh-TW" sz="2200" b="0" i="0" u="none" strike="noStrike" baseline="0" dirty="0">
-              <a:solidFill>
-                <a:srgbClr val="000000"/>
-              </a:solidFill>
-              <a:latin typeface="Calibri" panose="020F0502020204030204" pitchFamily="34" charset="0"/>
-            </a:endParaRPr>
-          </a:p>
-          <a:p>
-            <a:pPr lvl="1"/>
-            <a:r>
-              <a:rPr lang="en-US" altLang="zh-TW" sz="2200" b="0" i="0" u="none" strike="noStrike" baseline="0" dirty="0">
+            <a:r>
+              <a:rPr lang="en-US" altLang="zh-TW" sz="2000" b="0" i="0" u="none" strike="noStrike" baseline="0" dirty="0">
                 <a:solidFill>
                   <a:srgbClr val="000000"/>
                 </a:solidFill>
-                <a:latin typeface="Calibri" panose="020F0502020204030204" pitchFamily="34" charset="0"/>
+                <a:latin typeface="Times New Roman" panose="02020603050405020304" pitchFamily="18" charset="0"/>
+                <a:cs typeface="Times New Roman" panose="02020603050405020304" pitchFamily="18" charset="0"/>
               </a:rPr>
               <a:t>If there is any </a:t>
             </a:r>
             <a:r>
-              <a:rPr lang="en-US" altLang="zh-TW" sz="2200" b="0" i="0" u="none" strike="noStrike" baseline="0" dirty="0">
+              <a:rPr lang="en-US" altLang="zh-TW" sz="2000" b="0" i="0" u="none" strike="noStrike" baseline="0" dirty="0">
                 <a:solidFill>
                   <a:srgbClr val="FF0000"/>
                 </a:solidFill>
-                <a:latin typeface="Calibri" panose="020F0502020204030204" pitchFamily="34" charset="0"/>
+                <a:latin typeface="Times New Roman" panose="02020603050405020304" pitchFamily="18" charset="0"/>
+                <a:cs typeface="Times New Roman" panose="02020603050405020304" pitchFamily="18" charset="0"/>
               </a:rPr>
               <a:t>design for testability (DFT) scan chain connection </a:t>
             </a:r>
             <a:r>
-              <a:rPr lang="en-US" altLang="zh-TW" sz="2200" b="0" i="0" u="none" strike="noStrike" baseline="0" dirty="0">
+              <a:rPr lang="en-US" altLang="zh-TW" sz="2000" b="0" i="0" u="none" strike="noStrike" baseline="0" dirty="0">
                 <a:solidFill>
                   <a:srgbClr val="000000"/>
                 </a:solidFill>
-                <a:latin typeface="Calibri" panose="020F0502020204030204" pitchFamily="34" charset="0"/>
-              </a:rPr>
-              <a:t>on scan-input (SI) or scan-output (SO) pins of the higher-bit flip-flops, the banking / debanking process should </a:t>
-            </a:r>
-            <a:r>
-              <a:rPr lang="en-US" altLang="zh-TW" sz="2200" b="0" i="0" u="none" strike="noStrike" baseline="0" dirty="0">
+                <a:latin typeface="Times New Roman" panose="02020603050405020304" pitchFamily="18" charset="0"/>
+                <a:cs typeface="Times New Roman" panose="02020603050405020304" pitchFamily="18" charset="0"/>
+              </a:rPr>
+              <a:t>on scan-input (SI) or scan-output (SO) pins of the lower / higher-bit flip-flops, the banking / debanking process should </a:t>
+            </a:r>
+            <a:r>
+              <a:rPr lang="en-US" altLang="zh-TW" sz="2000" b="0" i="0" u="none" strike="noStrike" baseline="0" dirty="0">
                 <a:solidFill>
                   <a:srgbClr val="FF0000"/>
                 </a:solidFill>
-                <a:latin typeface="Calibri" panose="020F0502020204030204" pitchFamily="34" charset="0"/>
+                <a:latin typeface="Times New Roman" panose="02020603050405020304" pitchFamily="18" charset="0"/>
+                <a:cs typeface="Times New Roman" panose="02020603050405020304" pitchFamily="18" charset="0"/>
               </a:rPr>
               <a:t>honor the scan chain connection</a:t>
             </a:r>
             <a:r>
-              <a:rPr lang="en-US" altLang="zh-TW" sz="2200" b="0" i="0" u="none" strike="noStrike" baseline="0" dirty="0">
+              <a:rPr lang="en-US" altLang="zh-TW" sz="2000" b="0" i="0" u="none" strike="noStrike" baseline="0" dirty="0">
                 <a:solidFill>
                   <a:srgbClr val="000000"/>
                 </a:solidFill>
-                <a:latin typeface="Calibri" panose="020F0502020204030204" pitchFamily="34" charset="0"/>
+                <a:latin typeface="Times New Roman" panose="02020603050405020304" pitchFamily="18" charset="0"/>
+                <a:cs typeface="Times New Roman" panose="02020603050405020304" pitchFamily="18" charset="0"/>
               </a:rPr>
               <a:t>.</a:t>
             </a:r>
@@ -4401,8 +4489,38 @@
         </p:blipFill>
         <p:spPr>
           <a:xfrm>
-            <a:off x="4012162" y="4339657"/>
-            <a:ext cx="5014449" cy="2420232"/>
+            <a:off x="5248502" y="4640449"/>
+            <a:ext cx="4495839" cy="2169924"/>
+          </a:xfrm>
+          <a:prstGeom prst="rect">
+            <a:avLst/>
+          </a:prstGeom>
+        </p:spPr>
+      </p:pic>
+      <p:pic>
+        <p:nvPicPr>
+          <p:cNvPr id="6" name="圖片 5">
+            <a:extLst>
+              <a:ext uri="{FF2B5EF4-FFF2-40B4-BE49-F238E27FC236}">
+                <a16:creationId xmlns:a16="http://schemas.microsoft.com/office/drawing/2014/main" id="{CFDC1D95-AEED-B034-673F-6A76DB775DDF}"/>
+              </a:ext>
+            </a:extLst>
+          </p:cNvPr>
+          <p:cNvPicPr>
+            <a:picLocks noChangeAspect="1"/>
+          </p:cNvPicPr>
+          <p:nvPr/>
+        </p:nvPicPr>
+        <p:blipFill>
+          <a:blip r:embed="rId3"/>
+          <a:stretch>
+            <a:fillRect/>
+          </a:stretch>
+        </p:blipFill>
+        <p:spPr>
+          <a:xfrm>
+            <a:off x="7867050" y="182563"/>
+            <a:ext cx="4200207" cy="2416748"/>
           </a:xfrm>
           <a:prstGeom prst="rect">
             <a:avLst/>
@@ -4413,6 +4531,1634 @@
     <p:extLst>
       <p:ext uri="{BB962C8B-B14F-4D97-AF65-F5344CB8AC3E}">
         <p14:creationId xmlns:p14="http://schemas.microsoft.com/office/powerpoint/2010/main" val="1436749394"/>
+      </p:ext>
+    </p:extLst>
+  </p:cSld>
+  <p:clrMapOvr>
+    <a:masterClrMapping/>
+  </p:clrMapOvr>
+</p:sld>
+</file>
+
+<file path=ppt/slides/slide5.xml><?xml version="1.0" encoding="utf-8"?>
+<p:sld xmlns:a="http://schemas.openxmlformats.org/drawingml/2006/main" xmlns:r="http://schemas.openxmlformats.org/officeDocument/2006/relationships" xmlns:p="http://schemas.openxmlformats.org/presentationml/2006/main">
+  <p:cSld>
+    <p:spTree>
+      <p:nvGrpSpPr>
+        <p:cNvPr id="1" name="">
+          <a:extLst>
+            <a:ext uri="{FF2B5EF4-FFF2-40B4-BE49-F238E27FC236}">
+              <a16:creationId xmlns:a16="http://schemas.microsoft.com/office/drawing/2014/main" id="{CA178B13-D4CB-F617-86FD-35C842C65AB6}"/>
+            </a:ext>
+          </a:extLst>
+        </p:cNvPr>
+        <p:cNvGrpSpPr/>
+        <p:nvPr/>
+      </p:nvGrpSpPr>
+      <p:grpSpPr>
+        <a:xfrm>
+          <a:off x="0" y="0"/>
+          <a:ext cx="0" cy="0"/>
+          <a:chOff x="0" y="0"/>
+          <a:chExt cx="0" cy="0"/>
+        </a:xfrm>
+      </p:grpSpPr>
+      <p:sp>
+        <p:nvSpPr>
+          <p:cNvPr id="2" name="Title 1">
+            <a:extLst>
+              <a:ext uri="{FF2B5EF4-FFF2-40B4-BE49-F238E27FC236}">
+                <a16:creationId xmlns:a16="http://schemas.microsoft.com/office/drawing/2014/main" id="{747BFE16-AEA2-C51A-8504-6ED341FCD19C}"/>
+              </a:ext>
+            </a:extLst>
+          </p:cNvPr>
+          <p:cNvSpPr>
+            <a:spLocks noGrp="1"/>
+          </p:cNvSpPr>
+          <p:nvPr>
+            <p:ph type="title"/>
+          </p:nvPr>
+        </p:nvSpPr>
+        <p:spPr/>
+        <p:txBody>
+          <a:bodyPr>
+            <a:normAutofit/>
+          </a:bodyPr>
+          <a:lstStyle/>
+          <a:p>
+            <a:r>
+              <a:rPr lang="en-US" altLang="zh-TW" sz="4000" b="0" i="0" u="none" strike="noStrike" baseline="0" dirty="0">
+                <a:solidFill>
+                  <a:srgbClr val="000000"/>
+                </a:solidFill>
+                <a:latin typeface="Times New Roman" panose="02020603050405020304" pitchFamily="18" charset="0"/>
+                <a:cs typeface="Times New Roman" panose="02020603050405020304" pitchFamily="18" charset="0"/>
+              </a:rPr>
+              <a:t>Problem Formulation and Input/Output Format </a:t>
+            </a:r>
+            <a:endParaRPr lang="zh-TW" altLang="en-US" sz="4000" dirty="0">
+              <a:latin typeface="Times New Roman" panose="02020603050405020304" pitchFamily="18" charset="0"/>
+              <a:cs typeface="Times New Roman" panose="02020603050405020304" pitchFamily="18" charset="0"/>
+            </a:endParaRPr>
+          </a:p>
+        </p:txBody>
+      </p:sp>
+      <p:sp>
+        <p:nvSpPr>
+          <p:cNvPr id="4" name="投影片編號版面配置區 3">
+            <a:extLst>
+              <a:ext uri="{FF2B5EF4-FFF2-40B4-BE49-F238E27FC236}">
+                <a16:creationId xmlns:a16="http://schemas.microsoft.com/office/drawing/2014/main" id="{49E35A4C-8A58-CA83-D05D-6B027BAD0D08}"/>
+              </a:ext>
+            </a:extLst>
+          </p:cNvPr>
+          <p:cNvSpPr>
+            <a:spLocks noGrp="1"/>
+          </p:cNvSpPr>
+          <p:nvPr>
+            <p:ph type="sldNum" sz="quarter" idx="12"/>
+          </p:nvPr>
+        </p:nvSpPr>
+        <p:spPr>
+          <a:xfrm>
+            <a:off x="8610600" y="6310312"/>
+            <a:ext cx="2743200" cy="365125"/>
+          </a:xfrm>
+        </p:spPr>
+        <p:txBody>
+          <a:bodyPr/>
+          <a:lstStyle/>
+          <a:p>
+            <a:fld id="{9CF5A83B-F48D-49CA-94CB-9DE72BA4E651}" type="slidenum">
+              <a:rPr lang="zh-TW" altLang="en-US" smtClean="0">
+                <a:solidFill>
+                  <a:schemeClr val="tx1"/>
+                </a:solidFill>
+              </a:rPr>
+              <a:t>5</a:t>
+            </a:fld>
+            <a:endParaRPr lang="zh-TW" altLang="en-US" dirty="0">
+              <a:solidFill>
+                <a:schemeClr val="tx1"/>
+              </a:solidFill>
+            </a:endParaRPr>
+          </a:p>
+        </p:txBody>
+      </p:sp>
+      <p:sp>
+        <p:nvSpPr>
+          <p:cNvPr id="12" name="Content Placeholder 2">
+            <a:extLst>
+              <a:ext uri="{FF2B5EF4-FFF2-40B4-BE49-F238E27FC236}">
+                <a16:creationId xmlns:a16="http://schemas.microsoft.com/office/drawing/2014/main" id="{07F5335A-D809-87C0-0081-734CBA2DCCFA}"/>
+              </a:ext>
+            </a:extLst>
+          </p:cNvPr>
+          <p:cNvSpPr>
+            <a:spLocks noGrp="1"/>
+          </p:cNvSpPr>
+          <p:nvPr>
+            <p:ph idx="1"/>
+          </p:nvPr>
+        </p:nvSpPr>
+        <p:spPr>
+          <a:xfrm>
+            <a:off x="838200" y="1798802"/>
+            <a:ext cx="11191157" cy="4419728"/>
+          </a:xfrm>
+        </p:spPr>
+        <p:txBody>
+          <a:bodyPr>
+            <a:noAutofit/>
+          </a:bodyPr>
+          <a:lstStyle/>
+          <a:p>
+            <a:pPr algn="l"/>
+            <a:r>
+              <a:rPr lang="en-US" altLang="zh-TW" sz="2400" dirty="0">
+                <a:latin typeface="Times New Roman" panose="02020603050405020304" pitchFamily="18" charset="0"/>
+                <a:ea typeface="新細明體" panose="02020500000000000000" pitchFamily="18" charset="-120"/>
+                <a:cs typeface="Times New Roman" panose="02020603050405020304" pitchFamily="18" charset="0"/>
+              </a:rPr>
+              <a:t>Given:</a:t>
+            </a:r>
+          </a:p>
+          <a:p>
+            <a:pPr lvl="1"/>
+            <a:r>
+              <a:rPr lang="en-US" altLang="zh-TW" sz="2000" dirty="0">
+                <a:latin typeface="Times New Roman" panose="02020603050405020304" pitchFamily="18" charset="0"/>
+                <a:ea typeface="新細明體" panose="02020500000000000000" pitchFamily="18" charset="-120"/>
+                <a:cs typeface="Times New Roman" panose="02020603050405020304" pitchFamily="18" charset="0"/>
+              </a:rPr>
+              <a:t>1.Weight factors for cost metrics  (i.e. </a:t>
+            </a:r>
+            <a:r>
+              <a:rPr lang="zh-TW" altLang="en-US" sz="1800" b="0" i="0" u="none" strike="noStrike" baseline="0" dirty="0">
+                <a:solidFill>
+                  <a:srgbClr val="000000"/>
+                </a:solidFill>
+                <a:latin typeface="Cambria Math" panose="02040503050406030204" pitchFamily="18" charset="0"/>
+              </a:rPr>
+              <a:t>𝛼</a:t>
+            </a:r>
+            <a:r>
+              <a:rPr lang="en-US" altLang="zh-TW" sz="1800" b="0" i="0" u="none" strike="noStrike" baseline="0" dirty="0">
+                <a:solidFill>
+                  <a:srgbClr val="000000"/>
+                </a:solidFill>
+                <a:latin typeface="Calibri" panose="020F0502020204030204" pitchFamily="34" charset="0"/>
+              </a:rPr>
+              <a:t>, </a:t>
+            </a:r>
+            <a:r>
+              <a:rPr lang="zh-TW" altLang="en-US" sz="1800" b="0" i="0" u="none" strike="noStrike" baseline="0" dirty="0">
+                <a:solidFill>
+                  <a:srgbClr val="000000"/>
+                </a:solidFill>
+                <a:latin typeface="Cambria Math" panose="02040503050406030204" pitchFamily="18" charset="0"/>
+              </a:rPr>
+              <a:t>𝛽</a:t>
+            </a:r>
+            <a:r>
+              <a:rPr lang="en-US" altLang="zh-TW" sz="1800" b="0" i="0" u="none" strike="noStrike" baseline="0" dirty="0">
+                <a:solidFill>
+                  <a:srgbClr val="000000"/>
+                </a:solidFill>
+                <a:latin typeface="Calibri" panose="020F0502020204030204" pitchFamily="34" charset="0"/>
+              </a:rPr>
+              <a:t>, and </a:t>
+            </a:r>
+            <a:r>
+              <a:rPr lang="zh-TW" altLang="en-US" sz="1800" b="0" i="0" u="none" strike="noStrike" baseline="0" dirty="0">
+                <a:solidFill>
+                  <a:srgbClr val="000000"/>
+                </a:solidFill>
+                <a:latin typeface="Cambria Math" panose="02040503050406030204" pitchFamily="18" charset="0"/>
+              </a:rPr>
+              <a:t>𝛾 </a:t>
+            </a:r>
+            <a:r>
+              <a:rPr lang="en-US" altLang="zh-TW" sz="2000" dirty="0">
+                <a:latin typeface="Times New Roman" panose="02020603050405020304" pitchFamily="18" charset="0"/>
+                <a:ea typeface="新細明體" panose="02020500000000000000" pitchFamily="18" charset="-120"/>
+                <a:cs typeface="Times New Roman" panose="02020603050405020304" pitchFamily="18" charset="0"/>
+              </a:rPr>
+              <a:t>)</a:t>
+            </a:r>
+          </a:p>
+          <a:p>
+            <a:pPr lvl="1"/>
+            <a:r>
+              <a:rPr lang="en-US" altLang="zh-TW" sz="2000" dirty="0">
+                <a:latin typeface="Times New Roman" panose="02020603050405020304" pitchFamily="18" charset="0"/>
+                <a:ea typeface="新細明體" panose="02020500000000000000" pitchFamily="18" charset="-120"/>
+                <a:cs typeface="Times New Roman" panose="02020603050405020304" pitchFamily="18" charset="0"/>
+              </a:rPr>
+              <a:t>2.Timing slack and delay information</a:t>
+            </a:r>
+          </a:p>
+          <a:p>
+            <a:pPr lvl="1"/>
+            <a:r>
+              <a:rPr lang="en-US" altLang="zh-TW" sz="2000" dirty="0">
+                <a:latin typeface="Times New Roman" panose="02020603050405020304" pitchFamily="18" charset="0"/>
+                <a:ea typeface="新細明體" panose="02020500000000000000" pitchFamily="18" charset="-120"/>
+                <a:cs typeface="Times New Roman" panose="02020603050405020304" pitchFamily="18" charset="0"/>
+              </a:rPr>
+              <a:t>3.Power information</a:t>
+            </a:r>
+          </a:p>
+          <a:p>
+            <a:pPr lvl="1"/>
+            <a:r>
+              <a:rPr lang="en-US" altLang="zh-TW" sz="2000" dirty="0">
+                <a:latin typeface="Times New Roman" panose="02020603050405020304" pitchFamily="18" charset="0"/>
+                <a:ea typeface="新細明體" panose="02020500000000000000" pitchFamily="18" charset="-120"/>
+                <a:cs typeface="Times New Roman" panose="02020603050405020304" pitchFamily="18" charset="0"/>
+              </a:rPr>
+              <a:t>4.Area information</a:t>
+            </a:r>
+          </a:p>
+          <a:p>
+            <a:pPr marL="457200" lvl="1" indent="0">
+              <a:buNone/>
+            </a:pPr>
+            <a:r>
+              <a:rPr lang="en-US" altLang="zh-TW" sz="2000" dirty="0">
+                <a:latin typeface="Times New Roman" panose="02020603050405020304" pitchFamily="18" charset="0"/>
+                <a:ea typeface="新細明體" panose="02020500000000000000" pitchFamily="18" charset="-120"/>
+                <a:cs typeface="Times New Roman" panose="02020603050405020304" pitchFamily="18" charset="0"/>
+              </a:rPr>
+              <a:t>    </a:t>
+            </a:r>
+            <a:endParaRPr lang="en-US" altLang="zh-TW" sz="1800" dirty="0">
+              <a:latin typeface="Times New Roman" panose="02020603050405020304" pitchFamily="18" charset="0"/>
+              <a:ea typeface="新細明體" panose="02020500000000000000" pitchFamily="18" charset="-120"/>
+              <a:cs typeface="Times New Roman" panose="02020603050405020304" pitchFamily="18" charset="0"/>
+            </a:endParaRPr>
+          </a:p>
+          <a:p>
+            <a:pPr lvl="1"/>
+            <a:endParaRPr lang="en-US" altLang="zh-TW" sz="2000" dirty="0">
+              <a:latin typeface="Times New Roman" panose="02020603050405020304" pitchFamily="18" charset="0"/>
+              <a:ea typeface="新細明體" panose="02020500000000000000" pitchFamily="18" charset="-120"/>
+              <a:cs typeface="Times New Roman" panose="02020603050405020304" pitchFamily="18" charset="0"/>
+            </a:endParaRPr>
+          </a:p>
+          <a:p>
+            <a:pPr lvl="1"/>
+            <a:endParaRPr lang="en-US" altLang="zh-TW" sz="2000" dirty="0">
+              <a:latin typeface="Times New Roman" panose="02020603050405020304" pitchFamily="18" charset="0"/>
+              <a:ea typeface="新細明體" panose="02020500000000000000" pitchFamily="18" charset="-120"/>
+              <a:cs typeface="Times New Roman" panose="02020603050405020304" pitchFamily="18" charset="0"/>
+            </a:endParaRPr>
+          </a:p>
+          <a:p>
+            <a:pPr marL="457200" lvl="1" indent="0">
+              <a:buNone/>
+            </a:pPr>
+            <a:endParaRPr lang="en-US" altLang="zh-TW" sz="2000" dirty="0">
+              <a:latin typeface="Times New Roman" panose="02020603050405020304" pitchFamily="18" charset="0"/>
+              <a:ea typeface="新細明體" panose="02020500000000000000" pitchFamily="18" charset="-120"/>
+              <a:cs typeface="Times New Roman" panose="02020603050405020304" pitchFamily="18" charset="0"/>
+            </a:endParaRPr>
+          </a:p>
+          <a:p>
+            <a:pPr lvl="1"/>
+            <a:endParaRPr lang="en-US" altLang="zh-TW" sz="2000" dirty="0">
+              <a:latin typeface="Times New Roman" panose="02020603050405020304" pitchFamily="18" charset="0"/>
+              <a:ea typeface="新細明體" panose="02020500000000000000" pitchFamily="18" charset="-120"/>
+              <a:cs typeface="Times New Roman" panose="02020603050405020304" pitchFamily="18" charset="0"/>
+            </a:endParaRPr>
+          </a:p>
+          <a:p>
+            <a:pPr lvl="1"/>
+            <a:r>
+              <a:rPr lang="en-US" altLang="zh-TW" sz="2000" dirty="0">
+                <a:latin typeface="Times New Roman" panose="02020603050405020304" pitchFamily="18" charset="0"/>
+                <a:ea typeface="新細明體" panose="02020500000000000000" pitchFamily="18" charset="-120"/>
+                <a:cs typeface="Times New Roman" panose="02020603050405020304" pitchFamily="18" charset="0"/>
+              </a:rPr>
+              <a:t>5. Flip-Flop Library Cells</a:t>
+            </a:r>
+          </a:p>
+          <a:p>
+            <a:pPr lvl="1"/>
+            <a:r>
+              <a:rPr lang="en-US" altLang="zh-TW" sz="2000" dirty="0">
+                <a:latin typeface="Times New Roman" panose="02020603050405020304" pitchFamily="18" charset="0"/>
+                <a:ea typeface="新細明體" panose="02020500000000000000" pitchFamily="18" charset="-120"/>
+                <a:cs typeface="Times New Roman" panose="02020603050405020304" pitchFamily="18" charset="0"/>
+              </a:rPr>
+              <a:t>6.Cell placement result with flip-flop cells ( </a:t>
+            </a:r>
+            <a:r>
+              <a:rPr lang="en-US" altLang="zh-TW" sz="1800" b="0" i="0" u="none" strike="noStrike" baseline="0" dirty="0">
+                <a:solidFill>
+                  <a:srgbClr val="000000"/>
+                </a:solidFill>
+                <a:latin typeface="Calibri" panose="020F0502020204030204" pitchFamily="34" charset="0"/>
+              </a:rPr>
+              <a:t>LEF/DEF format </a:t>
+            </a:r>
+            <a:r>
+              <a:rPr lang="en-US" altLang="zh-TW" sz="2000" dirty="0">
+                <a:latin typeface="Times New Roman" panose="02020603050405020304" pitchFamily="18" charset="0"/>
+                <a:ea typeface="新細明體" panose="02020500000000000000" pitchFamily="18" charset="-120"/>
+                <a:cs typeface="Times New Roman" panose="02020603050405020304" pitchFamily="18" charset="0"/>
+              </a:rPr>
+              <a:t>)</a:t>
+            </a:r>
+          </a:p>
+          <a:p>
+            <a:pPr lvl="1"/>
+            <a:endParaRPr lang="en-US" altLang="zh-TW" sz="2000" i="0" dirty="0">
+              <a:solidFill>
+                <a:srgbClr val="333333"/>
+              </a:solidFill>
+              <a:effectLst/>
+              <a:latin typeface="Times New Roman" panose="02020603050405020304" pitchFamily="18" charset="0"/>
+              <a:ea typeface="新細明體" panose="02020500000000000000" pitchFamily="18" charset="-120"/>
+              <a:cs typeface="Times New Roman" panose="02020603050405020304" pitchFamily="18" charset="0"/>
+            </a:endParaRPr>
+          </a:p>
+          <a:p>
+            <a:pPr lvl="1"/>
+            <a:endParaRPr lang="en-US" altLang="zh-TW" sz="2000" dirty="0">
+              <a:solidFill>
+                <a:srgbClr val="333333"/>
+              </a:solidFill>
+              <a:latin typeface="Times New Roman" panose="02020603050405020304" pitchFamily="18" charset="0"/>
+              <a:ea typeface="新細明體" panose="02020500000000000000" pitchFamily="18" charset="-120"/>
+              <a:cs typeface="Times New Roman" panose="02020603050405020304" pitchFamily="18" charset="0"/>
+            </a:endParaRPr>
+          </a:p>
+          <a:p>
+            <a:pPr lvl="1"/>
+            <a:endParaRPr lang="en-US" altLang="zh-TW" sz="2000" dirty="0">
+              <a:solidFill>
+                <a:srgbClr val="333333"/>
+              </a:solidFill>
+              <a:latin typeface="Times New Roman" panose="02020603050405020304" pitchFamily="18" charset="0"/>
+              <a:ea typeface="新細明體" panose="02020500000000000000" pitchFamily="18" charset="-120"/>
+              <a:cs typeface="Times New Roman" panose="02020603050405020304" pitchFamily="18" charset="0"/>
+            </a:endParaRPr>
+          </a:p>
+        </p:txBody>
+      </p:sp>
+      <p:pic>
+        <p:nvPicPr>
+          <p:cNvPr id="25" name="圖片 24">
+            <a:extLst>
+              <a:ext uri="{FF2B5EF4-FFF2-40B4-BE49-F238E27FC236}">
+                <a16:creationId xmlns:a16="http://schemas.microsoft.com/office/drawing/2014/main" id="{8194CCA9-B697-AE1E-876E-C656825159AD}"/>
+              </a:ext>
+            </a:extLst>
+          </p:cNvPr>
+          <p:cNvPicPr>
+            <a:picLocks noChangeAspect="1"/>
+          </p:cNvPicPr>
+          <p:nvPr/>
+        </p:nvPicPr>
+        <p:blipFill>
+          <a:blip r:embed="rId2"/>
+          <a:srcRect t="6826" r="11687" b="6826"/>
+          <a:stretch/>
+        </p:blipFill>
+        <p:spPr>
+          <a:xfrm>
+            <a:off x="1771582" y="3709107"/>
+            <a:ext cx="2737241" cy="1284918"/>
+          </a:xfrm>
+          <a:prstGeom prst="rect">
+            <a:avLst/>
+          </a:prstGeom>
+        </p:spPr>
+      </p:pic>
+      <p:pic>
+        <p:nvPicPr>
+          <p:cNvPr id="26" name="圖片 25">
+            <a:extLst>
+              <a:ext uri="{FF2B5EF4-FFF2-40B4-BE49-F238E27FC236}">
+                <a16:creationId xmlns:a16="http://schemas.microsoft.com/office/drawing/2014/main" id="{FF83D4F1-0011-06B8-C1C5-1965F34A8665}"/>
+              </a:ext>
+            </a:extLst>
+          </p:cNvPr>
+          <p:cNvPicPr>
+            <a:picLocks noChangeAspect="1"/>
+          </p:cNvPicPr>
+          <p:nvPr/>
+        </p:nvPicPr>
+        <p:blipFill>
+          <a:blip r:embed="rId3"/>
+          <a:srcRect t="6059" r="8961" b="11245"/>
+          <a:stretch/>
+        </p:blipFill>
+        <p:spPr>
+          <a:xfrm>
+            <a:off x="4785145" y="3709107"/>
+            <a:ext cx="2228874" cy="1192318"/>
+          </a:xfrm>
+          <a:prstGeom prst="rect">
+            <a:avLst/>
+          </a:prstGeom>
+        </p:spPr>
+      </p:pic>
+      <p:pic>
+        <p:nvPicPr>
+          <p:cNvPr id="27" name="圖片 26">
+            <a:extLst>
+              <a:ext uri="{FF2B5EF4-FFF2-40B4-BE49-F238E27FC236}">
+                <a16:creationId xmlns:a16="http://schemas.microsoft.com/office/drawing/2014/main" id="{4303C05F-1189-98DA-5B6B-BE83E0B159C8}"/>
+              </a:ext>
+            </a:extLst>
+          </p:cNvPr>
+          <p:cNvPicPr>
+            <a:picLocks noChangeAspect="1"/>
+          </p:cNvPicPr>
+          <p:nvPr/>
+        </p:nvPicPr>
+        <p:blipFill>
+          <a:blip r:embed="rId4"/>
+          <a:srcRect t="5809" r="14511" b="14906"/>
+          <a:stretch/>
+        </p:blipFill>
+        <p:spPr>
+          <a:xfrm>
+            <a:off x="7090233" y="3658313"/>
+            <a:ext cx="2093010" cy="1293906"/>
+          </a:xfrm>
+          <a:prstGeom prst="rect">
+            <a:avLst/>
+          </a:prstGeom>
+        </p:spPr>
+      </p:pic>
+    </p:spTree>
+    <p:extLst>
+      <p:ext uri="{BB962C8B-B14F-4D97-AF65-F5344CB8AC3E}">
+        <p14:creationId xmlns:p14="http://schemas.microsoft.com/office/powerpoint/2010/main" val="1078089914"/>
+      </p:ext>
+    </p:extLst>
+  </p:cSld>
+  <p:clrMapOvr>
+    <a:masterClrMapping/>
+  </p:clrMapOvr>
+</p:sld>
+</file>
+
+<file path=ppt/slides/slide6.xml><?xml version="1.0" encoding="utf-8"?>
+<p:sld xmlns:a="http://schemas.openxmlformats.org/drawingml/2006/main" xmlns:r="http://schemas.openxmlformats.org/officeDocument/2006/relationships" xmlns:p="http://schemas.openxmlformats.org/presentationml/2006/main">
+  <p:cSld>
+    <p:spTree>
+      <p:nvGrpSpPr>
+        <p:cNvPr id="1" name="">
+          <a:extLst>
+            <a:ext uri="{FF2B5EF4-FFF2-40B4-BE49-F238E27FC236}">
+              <a16:creationId xmlns:a16="http://schemas.microsoft.com/office/drawing/2014/main" id="{CA178B13-D4CB-F617-86FD-35C842C65AB6}"/>
+            </a:ext>
+          </a:extLst>
+        </p:cNvPr>
+        <p:cNvGrpSpPr/>
+        <p:nvPr/>
+      </p:nvGrpSpPr>
+      <p:grpSpPr>
+        <a:xfrm>
+          <a:off x="0" y="0"/>
+          <a:ext cx="0" cy="0"/>
+          <a:chOff x="0" y="0"/>
+          <a:chExt cx="0" cy="0"/>
+        </a:xfrm>
+      </p:grpSpPr>
+      <p:sp>
+        <p:nvSpPr>
+          <p:cNvPr id="2" name="Title 1">
+            <a:extLst>
+              <a:ext uri="{FF2B5EF4-FFF2-40B4-BE49-F238E27FC236}">
+                <a16:creationId xmlns:a16="http://schemas.microsoft.com/office/drawing/2014/main" id="{747BFE16-AEA2-C51A-8504-6ED341FCD19C}"/>
+              </a:ext>
+            </a:extLst>
+          </p:cNvPr>
+          <p:cNvSpPr>
+            <a:spLocks noGrp="1"/>
+          </p:cNvSpPr>
+          <p:nvPr>
+            <p:ph type="title"/>
+          </p:nvPr>
+        </p:nvSpPr>
+        <p:spPr/>
+        <p:txBody>
+          <a:bodyPr>
+            <a:normAutofit/>
+          </a:bodyPr>
+          <a:lstStyle/>
+          <a:p>
+            <a:r>
+              <a:rPr lang="en-US" altLang="zh-TW" sz="4000" b="0" i="0" u="none" strike="noStrike" baseline="0" dirty="0">
+                <a:solidFill>
+                  <a:srgbClr val="000000"/>
+                </a:solidFill>
+                <a:latin typeface="Times New Roman" panose="02020603050405020304" pitchFamily="18" charset="0"/>
+                <a:cs typeface="Times New Roman" panose="02020603050405020304" pitchFamily="18" charset="0"/>
+              </a:rPr>
+              <a:t>Problem Formulation and Input/Output Format </a:t>
+            </a:r>
+            <a:endParaRPr lang="zh-TW" altLang="en-US" sz="4000" dirty="0">
+              <a:latin typeface="Times New Roman" panose="02020603050405020304" pitchFamily="18" charset="0"/>
+              <a:cs typeface="Times New Roman" panose="02020603050405020304" pitchFamily="18" charset="0"/>
+            </a:endParaRPr>
+          </a:p>
+        </p:txBody>
+      </p:sp>
+      <p:sp>
+        <p:nvSpPr>
+          <p:cNvPr id="4" name="投影片編號版面配置區 3">
+            <a:extLst>
+              <a:ext uri="{FF2B5EF4-FFF2-40B4-BE49-F238E27FC236}">
+                <a16:creationId xmlns:a16="http://schemas.microsoft.com/office/drawing/2014/main" id="{49E35A4C-8A58-CA83-D05D-6B027BAD0D08}"/>
+              </a:ext>
+            </a:extLst>
+          </p:cNvPr>
+          <p:cNvSpPr>
+            <a:spLocks noGrp="1"/>
+          </p:cNvSpPr>
+          <p:nvPr>
+            <p:ph type="sldNum" sz="quarter" idx="12"/>
+          </p:nvPr>
+        </p:nvSpPr>
+        <p:spPr>
+          <a:xfrm>
+            <a:off x="8610600" y="6310312"/>
+            <a:ext cx="2743200" cy="365125"/>
+          </a:xfrm>
+        </p:spPr>
+        <p:txBody>
+          <a:bodyPr/>
+          <a:lstStyle/>
+          <a:p>
+            <a:fld id="{9CF5A83B-F48D-49CA-94CB-9DE72BA4E651}" type="slidenum">
+              <a:rPr lang="zh-TW" altLang="en-US" smtClean="0">
+                <a:solidFill>
+                  <a:schemeClr val="tx1"/>
+                </a:solidFill>
+              </a:rPr>
+              <a:t>6</a:t>
+            </a:fld>
+            <a:endParaRPr lang="zh-TW" altLang="en-US" dirty="0">
+              <a:solidFill>
+                <a:schemeClr val="tx1"/>
+              </a:solidFill>
+            </a:endParaRPr>
+          </a:p>
+        </p:txBody>
+      </p:sp>
+      <p:sp>
+        <p:nvSpPr>
+          <p:cNvPr id="12" name="Content Placeholder 2">
+            <a:extLst>
+              <a:ext uri="{FF2B5EF4-FFF2-40B4-BE49-F238E27FC236}">
+                <a16:creationId xmlns:a16="http://schemas.microsoft.com/office/drawing/2014/main" id="{07F5335A-D809-87C0-0081-734CBA2DCCFA}"/>
+              </a:ext>
+            </a:extLst>
+          </p:cNvPr>
+          <p:cNvSpPr>
+            <a:spLocks noGrp="1"/>
+          </p:cNvSpPr>
+          <p:nvPr>
+            <p:ph idx="1"/>
+          </p:nvPr>
+        </p:nvSpPr>
+        <p:spPr>
+          <a:xfrm>
+            <a:off x="838200" y="1825624"/>
+            <a:ext cx="10515600" cy="4419728"/>
+          </a:xfrm>
+        </p:spPr>
+        <p:txBody>
+          <a:bodyPr>
+            <a:noAutofit/>
+          </a:bodyPr>
+          <a:lstStyle/>
+          <a:p>
+            <a:r>
+              <a:rPr lang="en-US" altLang="zh-TW" sz="2400" b="0" i="0" u="none" strike="noStrike" baseline="0" dirty="0">
+                <a:solidFill>
+                  <a:srgbClr val="000000"/>
+                </a:solidFill>
+                <a:latin typeface="Times New Roman" panose="02020603050405020304" pitchFamily="18" charset="0"/>
+                <a:cs typeface="Times New Roman" panose="02020603050405020304" pitchFamily="18" charset="0"/>
+              </a:rPr>
+              <a:t>Output: </a:t>
+            </a:r>
+          </a:p>
+          <a:p>
+            <a:pPr lvl="1"/>
+            <a:r>
+              <a:rPr lang="en-US" altLang="zh-TW" sz="2000" b="0" i="0" u="none" strike="noStrike" baseline="0" dirty="0">
+                <a:solidFill>
+                  <a:srgbClr val="000000"/>
+                </a:solidFill>
+                <a:latin typeface="Times New Roman" panose="02020603050405020304" pitchFamily="18" charset="0"/>
+                <a:cs typeface="Times New Roman" panose="02020603050405020304" pitchFamily="18" charset="0"/>
+              </a:rPr>
+              <a:t>A list of pin mapping between each input flip-flop pins and the output flip-flop pins</a:t>
+            </a:r>
+          </a:p>
+          <a:p>
+            <a:pPr lvl="1"/>
+            <a:r>
+              <a:rPr lang="en-US" altLang="zh-TW" sz="2000" b="0" i="0" u="none" strike="noStrike" baseline="0" dirty="0">
+                <a:solidFill>
+                  <a:srgbClr val="000000"/>
+                </a:solidFill>
+                <a:latin typeface="Times New Roman" panose="02020603050405020304" pitchFamily="18" charset="0"/>
+                <a:cs typeface="Times New Roman" panose="02020603050405020304" pitchFamily="18" charset="0"/>
+              </a:rPr>
+              <a:t>A flip-flop placement solution (</a:t>
+            </a:r>
+            <a:r>
+              <a:rPr lang="en-US" altLang="zh-TW" sz="2000" b="0" i="0" u="none" strike="noStrike" baseline="0" dirty="0">
+                <a:solidFill>
+                  <a:srgbClr val="000000"/>
+                </a:solidFill>
+                <a:latin typeface="Calibri" panose="020F0502020204030204" pitchFamily="34" charset="0"/>
+              </a:rPr>
+              <a:t>LEF/DEF format )</a:t>
+            </a:r>
+            <a:endParaRPr lang="en-US" altLang="zh-TW" sz="2000" b="0" i="0" u="none" strike="noStrike" baseline="0" dirty="0">
+              <a:solidFill>
+                <a:srgbClr val="000000"/>
+              </a:solidFill>
+              <a:latin typeface="Times New Roman" panose="02020603050405020304" pitchFamily="18" charset="0"/>
+              <a:cs typeface="Times New Roman" panose="02020603050405020304" pitchFamily="18" charset="0"/>
+            </a:endParaRPr>
+          </a:p>
+          <a:p>
+            <a:pPr lvl="1"/>
+            <a:endParaRPr lang="en-US" altLang="zh-TW" sz="2000" dirty="0">
+              <a:solidFill>
+                <a:srgbClr val="333333"/>
+              </a:solidFill>
+              <a:latin typeface="Times New Roman" panose="02020603050405020304" pitchFamily="18" charset="0"/>
+              <a:ea typeface="新細明體" panose="02020500000000000000" pitchFamily="18" charset="-120"/>
+              <a:cs typeface="Times New Roman" panose="02020603050405020304" pitchFamily="18" charset="0"/>
+            </a:endParaRPr>
+          </a:p>
+        </p:txBody>
+      </p:sp>
+      <p:pic>
+        <p:nvPicPr>
+          <p:cNvPr id="5" name="圖片 4">
+            <a:extLst>
+              <a:ext uri="{FF2B5EF4-FFF2-40B4-BE49-F238E27FC236}">
+                <a16:creationId xmlns:a16="http://schemas.microsoft.com/office/drawing/2014/main" id="{D2901B86-7897-5D23-1B3F-20E0AD741EA4}"/>
+              </a:ext>
+            </a:extLst>
+          </p:cNvPr>
+          <p:cNvPicPr>
+            <a:picLocks noChangeAspect="1"/>
+          </p:cNvPicPr>
+          <p:nvPr/>
+        </p:nvPicPr>
+        <p:blipFill>
+          <a:blip r:embed="rId2"/>
+          <a:stretch>
+            <a:fillRect/>
+          </a:stretch>
+        </p:blipFill>
+        <p:spPr>
+          <a:xfrm>
+            <a:off x="3799333" y="3031020"/>
+            <a:ext cx="4110228" cy="3826980"/>
+          </a:xfrm>
+          <a:prstGeom prst="rect">
+            <a:avLst/>
+          </a:prstGeom>
+        </p:spPr>
+      </p:pic>
+    </p:spTree>
+    <p:extLst>
+      <p:ext uri="{BB962C8B-B14F-4D97-AF65-F5344CB8AC3E}">
+        <p14:creationId xmlns:p14="http://schemas.microsoft.com/office/powerpoint/2010/main" val="4077613719"/>
+      </p:ext>
+    </p:extLst>
+  </p:cSld>
+  <p:clrMapOvr>
+    <a:masterClrMapping/>
+  </p:clrMapOvr>
+</p:sld>
+</file>
+
+<file path=ppt/slides/slide7.xml><?xml version="1.0" encoding="utf-8"?>
+<p:sld xmlns:a="http://schemas.openxmlformats.org/drawingml/2006/main" xmlns:r="http://schemas.openxmlformats.org/officeDocument/2006/relationships" xmlns:p="http://schemas.openxmlformats.org/presentationml/2006/main">
+  <p:cSld>
+    <p:spTree>
+      <p:nvGrpSpPr>
+        <p:cNvPr id="1" name="">
+          <a:extLst>
+            <a:ext uri="{FF2B5EF4-FFF2-40B4-BE49-F238E27FC236}">
+              <a16:creationId xmlns:a16="http://schemas.microsoft.com/office/drawing/2014/main" id="{CA178B13-D4CB-F617-86FD-35C842C65AB6}"/>
+            </a:ext>
+          </a:extLst>
+        </p:cNvPr>
+        <p:cNvGrpSpPr/>
+        <p:nvPr/>
+      </p:nvGrpSpPr>
+      <p:grpSpPr>
+        <a:xfrm>
+          <a:off x="0" y="0"/>
+          <a:ext cx="0" cy="0"/>
+          <a:chOff x="0" y="0"/>
+          <a:chExt cx="0" cy="0"/>
+        </a:xfrm>
+      </p:grpSpPr>
+      <p:pic>
+        <p:nvPicPr>
+          <p:cNvPr id="7" name="圖片 6">
+            <a:extLst>
+              <a:ext uri="{FF2B5EF4-FFF2-40B4-BE49-F238E27FC236}">
+                <a16:creationId xmlns:a16="http://schemas.microsoft.com/office/drawing/2014/main" id="{A50DA91A-59A3-59D3-F533-C6D8E409D6EB}"/>
+              </a:ext>
+            </a:extLst>
+          </p:cNvPr>
+          <p:cNvPicPr>
+            <a:picLocks noChangeAspect="1"/>
+          </p:cNvPicPr>
+          <p:nvPr/>
+        </p:nvPicPr>
+        <p:blipFill>
+          <a:blip r:embed="rId2"/>
+          <a:stretch>
+            <a:fillRect/>
+          </a:stretch>
+        </p:blipFill>
+        <p:spPr>
+          <a:xfrm>
+            <a:off x="6162674" y="872048"/>
+            <a:ext cx="4895851" cy="5825363"/>
+          </a:xfrm>
+          <a:prstGeom prst="rect">
+            <a:avLst/>
+          </a:prstGeom>
+        </p:spPr>
+      </p:pic>
+      <p:pic>
+        <p:nvPicPr>
+          <p:cNvPr id="5" name="圖片 4">
+            <a:extLst>
+              <a:ext uri="{FF2B5EF4-FFF2-40B4-BE49-F238E27FC236}">
+                <a16:creationId xmlns:a16="http://schemas.microsoft.com/office/drawing/2014/main" id="{33268D59-70F5-151D-B6B7-FF87191E8C58}"/>
+              </a:ext>
+            </a:extLst>
+          </p:cNvPr>
+          <p:cNvPicPr>
+            <a:picLocks noChangeAspect="1"/>
+          </p:cNvPicPr>
+          <p:nvPr/>
+        </p:nvPicPr>
+        <p:blipFill>
+          <a:blip r:embed="rId3"/>
+          <a:stretch>
+            <a:fillRect/>
+          </a:stretch>
+        </p:blipFill>
+        <p:spPr>
+          <a:xfrm>
+            <a:off x="483954" y="987552"/>
+            <a:ext cx="5032668" cy="5628922"/>
+          </a:xfrm>
+          <a:prstGeom prst="rect">
+            <a:avLst/>
+          </a:prstGeom>
+        </p:spPr>
+      </p:pic>
+      <p:sp>
+        <p:nvSpPr>
+          <p:cNvPr id="4" name="投影片編號版面配置區 3">
+            <a:extLst>
+              <a:ext uri="{FF2B5EF4-FFF2-40B4-BE49-F238E27FC236}">
+                <a16:creationId xmlns:a16="http://schemas.microsoft.com/office/drawing/2014/main" id="{49E35A4C-8A58-CA83-D05D-6B027BAD0D08}"/>
+              </a:ext>
+            </a:extLst>
+          </p:cNvPr>
+          <p:cNvSpPr>
+            <a:spLocks noGrp="1"/>
+          </p:cNvSpPr>
+          <p:nvPr>
+            <p:ph type="sldNum" sz="quarter" idx="12"/>
+          </p:nvPr>
+        </p:nvSpPr>
+        <p:spPr>
+          <a:xfrm>
+            <a:off x="8610600" y="6310312"/>
+            <a:ext cx="2743200" cy="365125"/>
+          </a:xfrm>
+        </p:spPr>
+        <p:txBody>
+          <a:bodyPr/>
+          <a:lstStyle/>
+          <a:p>
+            <a:fld id="{9CF5A83B-F48D-49CA-94CB-9DE72BA4E651}" type="slidenum">
+              <a:rPr lang="zh-TW" altLang="en-US" smtClean="0">
+                <a:solidFill>
+                  <a:schemeClr val="tx1"/>
+                </a:solidFill>
+              </a:rPr>
+              <a:t>7</a:t>
+            </a:fld>
+            <a:endParaRPr lang="zh-TW" altLang="en-US" dirty="0">
+              <a:solidFill>
+                <a:schemeClr val="tx1"/>
+              </a:solidFill>
+            </a:endParaRPr>
+          </a:p>
+        </p:txBody>
+      </p:sp>
+      <p:sp>
+        <p:nvSpPr>
+          <p:cNvPr id="12" name="Content Placeholder 2">
+            <a:extLst>
+              <a:ext uri="{FF2B5EF4-FFF2-40B4-BE49-F238E27FC236}">
+                <a16:creationId xmlns:a16="http://schemas.microsoft.com/office/drawing/2014/main" id="{07F5335A-D809-87C0-0081-734CBA2DCCFA}"/>
+              </a:ext>
+            </a:extLst>
+          </p:cNvPr>
+          <p:cNvSpPr>
+            <a:spLocks noGrp="1"/>
+          </p:cNvSpPr>
+          <p:nvPr>
+            <p:ph idx="1"/>
+          </p:nvPr>
+        </p:nvSpPr>
+        <p:spPr>
+          <a:xfrm>
+            <a:off x="385146" y="417448"/>
+            <a:ext cx="11191157" cy="4419728"/>
+          </a:xfrm>
+        </p:spPr>
+        <p:txBody>
+          <a:bodyPr>
+            <a:noAutofit/>
+          </a:bodyPr>
+          <a:lstStyle/>
+          <a:p>
+            <a:r>
+              <a:rPr lang="en-US" altLang="zh-TW" sz="2400" dirty="0">
+                <a:latin typeface="Times New Roman" panose="02020603050405020304" pitchFamily="18" charset="0"/>
+                <a:cs typeface="Times New Roman" panose="02020603050405020304" pitchFamily="18" charset="0"/>
+              </a:rPr>
+              <a:t>Sample input:				Sample output:</a:t>
+            </a:r>
+            <a:endParaRPr lang="en-US" altLang="zh-TW" sz="2400" dirty="0">
+              <a:latin typeface="Times New Roman" panose="02020603050405020304" pitchFamily="18" charset="0"/>
+              <a:ea typeface="新細明體" panose="02020500000000000000" pitchFamily="18" charset="-120"/>
+              <a:cs typeface="Times New Roman" panose="02020603050405020304" pitchFamily="18" charset="0"/>
+            </a:endParaRPr>
+          </a:p>
+          <a:p>
+            <a:pPr lvl="1"/>
+            <a:endParaRPr lang="en-US" altLang="zh-TW" sz="2000" i="0" dirty="0">
+              <a:solidFill>
+                <a:srgbClr val="333333"/>
+              </a:solidFill>
+              <a:effectLst/>
+              <a:latin typeface="Times New Roman" panose="02020603050405020304" pitchFamily="18" charset="0"/>
+              <a:ea typeface="新細明體" panose="02020500000000000000" pitchFamily="18" charset="-120"/>
+              <a:cs typeface="Times New Roman" panose="02020603050405020304" pitchFamily="18" charset="0"/>
+            </a:endParaRPr>
+          </a:p>
+          <a:p>
+            <a:endParaRPr lang="en-US" altLang="zh-TW" sz="2400" dirty="0">
+              <a:latin typeface="Times New Roman" panose="02020603050405020304" pitchFamily="18" charset="0"/>
+              <a:ea typeface="新細明體" panose="02020500000000000000" pitchFamily="18" charset="-120"/>
+              <a:cs typeface="Times New Roman" panose="02020603050405020304" pitchFamily="18" charset="0"/>
+            </a:endParaRPr>
+          </a:p>
+          <a:p>
+            <a:pPr lvl="1"/>
+            <a:endParaRPr lang="en-US" altLang="zh-TW" sz="2000" i="0" dirty="0">
+              <a:solidFill>
+                <a:srgbClr val="333333"/>
+              </a:solidFill>
+              <a:effectLst/>
+              <a:latin typeface="Times New Roman" panose="02020603050405020304" pitchFamily="18" charset="0"/>
+              <a:ea typeface="新細明體" panose="02020500000000000000" pitchFamily="18" charset="-120"/>
+              <a:cs typeface="Times New Roman" panose="02020603050405020304" pitchFamily="18" charset="0"/>
+            </a:endParaRPr>
+          </a:p>
+          <a:p>
+            <a:pPr lvl="1"/>
+            <a:endParaRPr lang="en-US" altLang="zh-TW" sz="2000" dirty="0">
+              <a:solidFill>
+                <a:srgbClr val="333333"/>
+              </a:solidFill>
+              <a:latin typeface="Times New Roman" panose="02020603050405020304" pitchFamily="18" charset="0"/>
+              <a:ea typeface="新細明體" panose="02020500000000000000" pitchFamily="18" charset="-120"/>
+              <a:cs typeface="Times New Roman" panose="02020603050405020304" pitchFamily="18" charset="0"/>
+            </a:endParaRPr>
+          </a:p>
+          <a:p>
+            <a:pPr lvl="1"/>
+            <a:endParaRPr lang="en-US" altLang="zh-TW" sz="2000" dirty="0">
+              <a:solidFill>
+                <a:srgbClr val="333333"/>
+              </a:solidFill>
+              <a:latin typeface="Times New Roman" panose="02020603050405020304" pitchFamily="18" charset="0"/>
+              <a:ea typeface="新細明體" panose="02020500000000000000" pitchFamily="18" charset="-120"/>
+              <a:cs typeface="Times New Roman" panose="02020603050405020304" pitchFamily="18" charset="0"/>
+            </a:endParaRPr>
+          </a:p>
+        </p:txBody>
+      </p:sp>
+    </p:spTree>
+    <p:extLst>
+      <p:ext uri="{BB962C8B-B14F-4D97-AF65-F5344CB8AC3E}">
+        <p14:creationId xmlns:p14="http://schemas.microsoft.com/office/powerpoint/2010/main" val="1108577256"/>
+      </p:ext>
+    </p:extLst>
+  </p:cSld>
+  <p:clrMapOvr>
+    <a:masterClrMapping/>
+  </p:clrMapOvr>
+</p:sld>
+</file>
+
+<file path=ppt/slides/slide8.xml><?xml version="1.0" encoding="utf-8"?>
+<p:sld xmlns:a="http://schemas.openxmlformats.org/drawingml/2006/main" xmlns:r="http://schemas.openxmlformats.org/officeDocument/2006/relationships" xmlns:p="http://schemas.openxmlformats.org/presentationml/2006/main">
+  <p:cSld>
+    <p:spTree>
+      <p:nvGrpSpPr>
+        <p:cNvPr id="1" name="">
+          <a:extLst>
+            <a:ext uri="{FF2B5EF4-FFF2-40B4-BE49-F238E27FC236}">
+              <a16:creationId xmlns:a16="http://schemas.microsoft.com/office/drawing/2014/main" id="{41E3A742-02AA-FD83-6D24-D8775E707AF1}"/>
+            </a:ext>
+          </a:extLst>
+        </p:cNvPr>
+        <p:cNvGrpSpPr/>
+        <p:nvPr/>
+      </p:nvGrpSpPr>
+      <p:grpSpPr>
+        <a:xfrm>
+          <a:off x="0" y="0"/>
+          <a:ext cx="0" cy="0"/>
+          <a:chOff x="0" y="0"/>
+          <a:chExt cx="0" cy="0"/>
+        </a:xfrm>
+      </p:grpSpPr>
+      <p:sp>
+        <p:nvSpPr>
+          <p:cNvPr id="2" name="Title 1">
+            <a:extLst>
+              <a:ext uri="{FF2B5EF4-FFF2-40B4-BE49-F238E27FC236}">
+                <a16:creationId xmlns:a16="http://schemas.microsoft.com/office/drawing/2014/main" id="{FFF1AD4E-A0D9-59D1-2940-8C1F854711CA}"/>
+              </a:ext>
+            </a:extLst>
+          </p:cNvPr>
+          <p:cNvSpPr>
+            <a:spLocks noGrp="1"/>
+          </p:cNvSpPr>
+          <p:nvPr>
+            <p:ph type="title"/>
+          </p:nvPr>
+        </p:nvSpPr>
+        <p:spPr/>
+        <p:txBody>
+          <a:bodyPr>
+            <a:normAutofit/>
+          </a:bodyPr>
+          <a:lstStyle/>
+          <a:p>
+            <a:r>
+              <a:rPr lang="en-US" altLang="zh-TW" sz="4000" dirty="0">
+                <a:latin typeface="Times New Roman" panose="02020603050405020304" pitchFamily="18" charset="0"/>
+                <a:cs typeface="Times New Roman" panose="02020603050405020304" pitchFamily="18" charset="0"/>
+              </a:rPr>
+              <a:t>Score Function</a:t>
+            </a:r>
+            <a:endParaRPr lang="zh-TW" altLang="en-US" sz="4000" dirty="0">
+              <a:latin typeface="Times New Roman" panose="02020603050405020304" pitchFamily="18" charset="0"/>
+              <a:cs typeface="Times New Roman" panose="02020603050405020304" pitchFamily="18" charset="0"/>
+            </a:endParaRPr>
+          </a:p>
+        </p:txBody>
+      </p:sp>
+      <p:sp>
+        <p:nvSpPr>
+          <p:cNvPr id="4" name="投影片編號版面配置區 3">
+            <a:extLst>
+              <a:ext uri="{FF2B5EF4-FFF2-40B4-BE49-F238E27FC236}">
+                <a16:creationId xmlns:a16="http://schemas.microsoft.com/office/drawing/2014/main" id="{AF1B160F-1DA0-C3E4-EDFF-A0EF03CAED0E}"/>
+              </a:ext>
+            </a:extLst>
+          </p:cNvPr>
+          <p:cNvSpPr>
+            <a:spLocks noGrp="1"/>
+          </p:cNvSpPr>
+          <p:nvPr>
+            <p:ph type="sldNum" sz="quarter" idx="12"/>
+          </p:nvPr>
+        </p:nvSpPr>
+        <p:spPr>
+          <a:xfrm>
+            <a:off x="8610600" y="6310312"/>
+            <a:ext cx="2743200" cy="365125"/>
+          </a:xfrm>
+        </p:spPr>
+        <p:txBody>
+          <a:bodyPr/>
+          <a:lstStyle/>
+          <a:p>
+            <a:fld id="{9CF5A83B-F48D-49CA-94CB-9DE72BA4E651}" type="slidenum">
+              <a:rPr lang="zh-TW" altLang="en-US" smtClean="0">
+                <a:solidFill>
+                  <a:schemeClr val="tx1"/>
+                </a:solidFill>
+              </a:rPr>
+              <a:t>8</a:t>
+            </a:fld>
+            <a:endParaRPr lang="zh-TW" altLang="en-US" dirty="0">
+              <a:solidFill>
+                <a:schemeClr val="tx1"/>
+              </a:solidFill>
+            </a:endParaRPr>
+          </a:p>
+        </p:txBody>
+      </p:sp>
+      <p:sp>
+        <p:nvSpPr>
+          <p:cNvPr id="10" name="內容版面配置區 9">
+            <a:extLst>
+              <a:ext uri="{FF2B5EF4-FFF2-40B4-BE49-F238E27FC236}">
+                <a16:creationId xmlns:a16="http://schemas.microsoft.com/office/drawing/2014/main" id="{8F180BC7-8878-35A0-4413-D1BE0CAFBAA3}"/>
+              </a:ext>
+            </a:extLst>
+          </p:cNvPr>
+          <p:cNvSpPr>
+            <a:spLocks noGrp="1"/>
+          </p:cNvSpPr>
+          <p:nvPr>
+            <p:ph idx="1"/>
+          </p:nvPr>
+        </p:nvSpPr>
+        <p:spPr>
+          <a:xfrm>
+            <a:off x="838200" y="1209676"/>
+            <a:ext cx="11163300" cy="5648324"/>
+          </a:xfrm>
+        </p:spPr>
+        <p:txBody>
+          <a:bodyPr>
+            <a:normAutofit/>
+          </a:bodyPr>
+          <a:lstStyle/>
+          <a:p>
+            <a:endParaRPr lang="en-US" altLang="zh-TW" dirty="0"/>
+          </a:p>
+          <a:p>
+            <a:endParaRPr lang="en-US" altLang="zh-TW" dirty="0"/>
+          </a:p>
+          <a:p>
+            <a:endParaRPr lang="en-US" altLang="zh-TW" dirty="0"/>
+          </a:p>
+          <a:p>
+            <a:endParaRPr lang="en-US" altLang="zh-TW" dirty="0"/>
+          </a:p>
+          <a:p>
+            <a:pPr marL="0" indent="0">
+              <a:buNone/>
+            </a:pPr>
+            <a:endParaRPr lang="en-US" altLang="zh-TW" sz="2400" dirty="0">
+              <a:latin typeface="Times New Roman" panose="02020603050405020304" pitchFamily="18" charset="0"/>
+              <a:cs typeface="Times New Roman" panose="02020603050405020304" pitchFamily="18" charset="0"/>
+            </a:endParaRPr>
+          </a:p>
+          <a:p>
+            <a:pPr marL="0" indent="0">
+              <a:buNone/>
+            </a:pPr>
+            <a:endParaRPr lang="en-US" altLang="zh-TW" sz="2400" dirty="0">
+              <a:latin typeface="Times New Roman" panose="02020603050405020304" pitchFamily="18" charset="0"/>
+              <a:cs typeface="Times New Roman" panose="02020603050405020304" pitchFamily="18" charset="0"/>
+            </a:endParaRPr>
+          </a:p>
+          <a:p>
+            <a:pPr marL="0" indent="0">
+              <a:buNone/>
+            </a:pPr>
+            <a:endParaRPr lang="en-US" altLang="zh-TW" sz="2400" dirty="0">
+              <a:latin typeface="Times New Roman" panose="02020603050405020304" pitchFamily="18" charset="0"/>
+              <a:cs typeface="Times New Roman" panose="02020603050405020304" pitchFamily="18" charset="0"/>
+            </a:endParaRPr>
+          </a:p>
+          <a:p>
+            <a:endParaRPr lang="en-US" altLang="zh-TW" sz="3100" dirty="0">
+              <a:latin typeface="Times New Roman" panose="02020603050405020304" pitchFamily="18" charset="0"/>
+              <a:cs typeface="Times New Roman" panose="02020603050405020304" pitchFamily="18" charset="0"/>
+            </a:endParaRPr>
+          </a:p>
+          <a:p>
+            <a:pPr marL="0" indent="0">
+              <a:buNone/>
+            </a:pPr>
+            <a:endParaRPr lang="en-US" altLang="zh-TW" sz="3100" dirty="0">
+              <a:latin typeface="Times New Roman" panose="02020603050405020304" pitchFamily="18" charset="0"/>
+              <a:cs typeface="Times New Roman" panose="02020603050405020304" pitchFamily="18" charset="0"/>
+            </a:endParaRPr>
+          </a:p>
+          <a:p>
+            <a:endParaRPr lang="en-US" altLang="zh-TW" sz="2400" dirty="0">
+              <a:latin typeface="Times New Roman" panose="02020603050405020304" pitchFamily="18" charset="0"/>
+              <a:cs typeface="Times New Roman" panose="02020603050405020304" pitchFamily="18" charset="0"/>
+            </a:endParaRPr>
+          </a:p>
+        </p:txBody>
+      </p:sp>
+      <p:pic>
+        <p:nvPicPr>
+          <p:cNvPr id="13" name="圖片 12">
+            <a:extLst>
+              <a:ext uri="{FF2B5EF4-FFF2-40B4-BE49-F238E27FC236}">
+                <a16:creationId xmlns:a16="http://schemas.microsoft.com/office/drawing/2014/main" id="{A4EE7530-4A26-EF33-3A1B-397A50B17F82}"/>
+              </a:ext>
+            </a:extLst>
+          </p:cNvPr>
+          <p:cNvPicPr>
+            <a:picLocks noChangeAspect="1"/>
+          </p:cNvPicPr>
+          <p:nvPr/>
+        </p:nvPicPr>
+        <p:blipFill>
+          <a:blip r:embed="rId2"/>
+          <a:stretch>
+            <a:fillRect/>
+          </a:stretch>
+        </p:blipFill>
+        <p:spPr>
+          <a:xfrm>
+            <a:off x="771525" y="1466543"/>
+            <a:ext cx="7929083" cy="600688"/>
+          </a:xfrm>
+          <a:prstGeom prst="rect">
+            <a:avLst/>
+          </a:prstGeom>
+        </p:spPr>
+      </p:pic>
+      <p:pic>
+        <p:nvPicPr>
+          <p:cNvPr id="15" name="圖片 14">
+            <a:extLst>
+              <a:ext uri="{FF2B5EF4-FFF2-40B4-BE49-F238E27FC236}">
+                <a16:creationId xmlns:a16="http://schemas.microsoft.com/office/drawing/2014/main" id="{6AF3A006-441B-EB5D-425D-C98A90FB0799}"/>
+              </a:ext>
+            </a:extLst>
+          </p:cNvPr>
+          <p:cNvPicPr>
+            <a:picLocks noChangeAspect="1"/>
+          </p:cNvPicPr>
+          <p:nvPr/>
+        </p:nvPicPr>
+        <p:blipFill>
+          <a:blip r:embed="rId3"/>
+          <a:stretch>
+            <a:fillRect/>
+          </a:stretch>
+        </p:blipFill>
+        <p:spPr>
+          <a:xfrm>
+            <a:off x="781051" y="2223082"/>
+            <a:ext cx="6477904" cy="695422"/>
+          </a:xfrm>
+          <a:prstGeom prst="rect">
+            <a:avLst/>
+          </a:prstGeom>
+        </p:spPr>
+      </p:pic>
+      <p:pic>
+        <p:nvPicPr>
+          <p:cNvPr id="17" name="圖片 16">
+            <a:extLst>
+              <a:ext uri="{FF2B5EF4-FFF2-40B4-BE49-F238E27FC236}">
+                <a16:creationId xmlns:a16="http://schemas.microsoft.com/office/drawing/2014/main" id="{24D27AB5-C91A-57E1-5546-9BDF1D6944B1}"/>
+              </a:ext>
+            </a:extLst>
+          </p:cNvPr>
+          <p:cNvPicPr>
+            <a:picLocks noChangeAspect="1"/>
+          </p:cNvPicPr>
+          <p:nvPr/>
+        </p:nvPicPr>
+        <p:blipFill>
+          <a:blip r:embed="rId4"/>
+          <a:stretch>
+            <a:fillRect/>
+          </a:stretch>
+        </p:blipFill>
+        <p:spPr>
+          <a:xfrm>
+            <a:off x="852457" y="3023122"/>
+            <a:ext cx="6963747" cy="438211"/>
+          </a:xfrm>
+          <a:prstGeom prst="rect">
+            <a:avLst/>
+          </a:prstGeom>
+        </p:spPr>
+      </p:pic>
+      <p:pic>
+        <p:nvPicPr>
+          <p:cNvPr id="19" name="圖片 18">
+            <a:extLst>
+              <a:ext uri="{FF2B5EF4-FFF2-40B4-BE49-F238E27FC236}">
+                <a16:creationId xmlns:a16="http://schemas.microsoft.com/office/drawing/2014/main" id="{664FE6F9-2C67-48FE-3A4F-A90F20BC83AC}"/>
+              </a:ext>
+            </a:extLst>
+          </p:cNvPr>
+          <p:cNvPicPr>
+            <a:picLocks noChangeAspect="1"/>
+          </p:cNvPicPr>
+          <p:nvPr/>
+        </p:nvPicPr>
+        <p:blipFill>
+          <a:blip r:embed="rId5"/>
+          <a:srcRect l="1975" b="11981"/>
+          <a:stretch/>
+        </p:blipFill>
+        <p:spPr>
+          <a:xfrm>
+            <a:off x="781051" y="3565951"/>
+            <a:ext cx="6359294" cy="586949"/>
+          </a:xfrm>
+          <a:prstGeom prst="rect">
+            <a:avLst/>
+          </a:prstGeom>
+        </p:spPr>
+      </p:pic>
+      <p:sp>
+        <p:nvSpPr>
+          <p:cNvPr id="3" name="Content Placeholder 2">
+            <a:extLst>
+              <a:ext uri="{FF2B5EF4-FFF2-40B4-BE49-F238E27FC236}">
+                <a16:creationId xmlns:a16="http://schemas.microsoft.com/office/drawing/2014/main" id="{A889E6C7-98A1-0AFE-52F9-99AFC8CDEB1D}"/>
+              </a:ext>
+            </a:extLst>
+          </p:cNvPr>
+          <p:cNvSpPr txBox="1">
+            <a:spLocks/>
+          </p:cNvSpPr>
+          <p:nvPr/>
+        </p:nvSpPr>
+        <p:spPr>
+          <a:xfrm>
+            <a:off x="500421" y="4257368"/>
+            <a:ext cx="11191157" cy="4419728"/>
+          </a:xfrm>
+          <a:prstGeom prst="rect">
+            <a:avLst/>
+          </a:prstGeom>
+        </p:spPr>
+        <p:txBody>
+          <a:bodyPr vert="horz" lIns="91440" tIns="45720" rIns="91440" bIns="45720" rtlCol="0">
+            <a:noAutofit/>
+          </a:bodyPr>
+          <a:lstStyle>
+            <a:lvl1pPr marL="228600" indent="-228600" algn="l" defTabSz="914400" rtl="0" eaLnBrk="1" latinLnBrk="0" hangingPunct="1">
+              <a:lnSpc>
+                <a:spcPct val="90000"/>
+              </a:lnSpc>
+              <a:spcBef>
+                <a:spcPts val="1000"/>
+              </a:spcBef>
+              <a:buFont typeface="Arial" panose="020B0604020202020204" pitchFamily="34" charset="0"/>
+              <a:buChar char="•"/>
+              <a:defRPr sz="2800" kern="1200">
+                <a:solidFill>
+                  <a:schemeClr val="tx1"/>
+                </a:solidFill>
+                <a:latin typeface="+mn-lt"/>
+                <a:ea typeface="+mn-ea"/>
+                <a:cs typeface="+mn-cs"/>
+              </a:defRPr>
+            </a:lvl1pPr>
+            <a:lvl2pPr marL="685800" indent="-228600" algn="l" defTabSz="914400" rtl="0" eaLnBrk="1" latinLnBrk="0" hangingPunct="1">
+              <a:lnSpc>
+                <a:spcPct val="90000"/>
+              </a:lnSpc>
+              <a:spcBef>
+                <a:spcPts val="500"/>
+              </a:spcBef>
+              <a:buFont typeface="Arial" panose="020B0604020202020204" pitchFamily="34" charset="0"/>
+              <a:buChar char="•"/>
+              <a:defRPr sz="2400" kern="1200">
+                <a:solidFill>
+                  <a:schemeClr val="tx1"/>
+                </a:solidFill>
+                <a:latin typeface="+mn-lt"/>
+                <a:ea typeface="+mn-ea"/>
+                <a:cs typeface="+mn-cs"/>
+              </a:defRPr>
+            </a:lvl2pPr>
+            <a:lvl3pPr marL="1143000" indent="-228600" algn="l" defTabSz="914400" rtl="0" eaLnBrk="1" latinLnBrk="0" hangingPunct="1">
+              <a:lnSpc>
+                <a:spcPct val="90000"/>
+              </a:lnSpc>
+              <a:spcBef>
+                <a:spcPts val="500"/>
+              </a:spcBef>
+              <a:buFont typeface="Arial" panose="020B0604020202020204" pitchFamily="34" charset="0"/>
+              <a:buChar char="•"/>
+              <a:defRPr sz="2000" kern="1200">
+                <a:solidFill>
+                  <a:schemeClr val="tx1"/>
+                </a:solidFill>
+                <a:latin typeface="+mn-lt"/>
+                <a:ea typeface="+mn-ea"/>
+                <a:cs typeface="+mn-cs"/>
+              </a:defRPr>
+            </a:lvl3pPr>
+            <a:lvl4pPr marL="1600200" indent="-228600" algn="l" defTabSz="914400" rtl="0" eaLnBrk="1" latinLnBrk="0" hangingPunct="1">
+              <a:lnSpc>
+                <a:spcPct val="90000"/>
+              </a:lnSpc>
+              <a:spcBef>
+                <a:spcPts val="500"/>
+              </a:spcBef>
+              <a:buFont typeface="Arial" panose="020B0604020202020204" pitchFamily="34" charset="0"/>
+              <a:buChar char="•"/>
+              <a:defRPr sz="1800" kern="1200">
+                <a:solidFill>
+                  <a:schemeClr val="tx1"/>
+                </a:solidFill>
+                <a:latin typeface="+mn-lt"/>
+                <a:ea typeface="+mn-ea"/>
+                <a:cs typeface="+mn-cs"/>
+              </a:defRPr>
+            </a:lvl4pPr>
+            <a:lvl5pPr marL="2057400" indent="-228600" algn="l" defTabSz="914400" rtl="0" eaLnBrk="1" latinLnBrk="0" hangingPunct="1">
+              <a:lnSpc>
+                <a:spcPct val="90000"/>
+              </a:lnSpc>
+              <a:spcBef>
+                <a:spcPts val="500"/>
+              </a:spcBef>
+              <a:buFont typeface="Arial" panose="020B0604020202020204" pitchFamily="34" charset="0"/>
+              <a:buChar char="•"/>
+              <a:defRPr sz="1800" kern="1200">
+                <a:solidFill>
+                  <a:schemeClr val="tx1"/>
+                </a:solidFill>
+                <a:latin typeface="+mn-lt"/>
+                <a:ea typeface="+mn-ea"/>
+                <a:cs typeface="+mn-cs"/>
+              </a:defRPr>
+            </a:lvl5pPr>
+            <a:lvl6pPr marL="2514600" indent="-228600" algn="l" defTabSz="914400" rtl="0" eaLnBrk="1" latinLnBrk="0" hangingPunct="1">
+              <a:lnSpc>
+                <a:spcPct val="90000"/>
+              </a:lnSpc>
+              <a:spcBef>
+                <a:spcPts val="500"/>
+              </a:spcBef>
+              <a:buFont typeface="Arial" panose="020B0604020202020204" pitchFamily="34" charset="0"/>
+              <a:buChar char="•"/>
+              <a:defRPr sz="1800" kern="1200">
+                <a:solidFill>
+                  <a:schemeClr val="tx1"/>
+                </a:solidFill>
+                <a:latin typeface="+mn-lt"/>
+                <a:ea typeface="+mn-ea"/>
+                <a:cs typeface="+mn-cs"/>
+              </a:defRPr>
+            </a:lvl6pPr>
+            <a:lvl7pPr marL="2971800" indent="-228600" algn="l" defTabSz="914400" rtl="0" eaLnBrk="1" latinLnBrk="0" hangingPunct="1">
+              <a:lnSpc>
+                <a:spcPct val="90000"/>
+              </a:lnSpc>
+              <a:spcBef>
+                <a:spcPts val="500"/>
+              </a:spcBef>
+              <a:buFont typeface="Arial" panose="020B0604020202020204" pitchFamily="34" charset="0"/>
+              <a:buChar char="•"/>
+              <a:defRPr sz="1800" kern="1200">
+                <a:solidFill>
+                  <a:schemeClr val="tx1"/>
+                </a:solidFill>
+                <a:latin typeface="+mn-lt"/>
+                <a:ea typeface="+mn-ea"/>
+                <a:cs typeface="+mn-cs"/>
+              </a:defRPr>
+            </a:lvl7pPr>
+            <a:lvl8pPr marL="3429000" indent="-228600" algn="l" defTabSz="914400" rtl="0" eaLnBrk="1" latinLnBrk="0" hangingPunct="1">
+              <a:lnSpc>
+                <a:spcPct val="90000"/>
+              </a:lnSpc>
+              <a:spcBef>
+                <a:spcPts val="500"/>
+              </a:spcBef>
+              <a:buFont typeface="Arial" panose="020B0604020202020204" pitchFamily="34" charset="0"/>
+              <a:buChar char="•"/>
+              <a:defRPr sz="1800" kern="1200">
+                <a:solidFill>
+                  <a:schemeClr val="tx1"/>
+                </a:solidFill>
+                <a:latin typeface="+mn-lt"/>
+                <a:ea typeface="+mn-ea"/>
+                <a:cs typeface="+mn-cs"/>
+              </a:defRPr>
+            </a:lvl8pPr>
+            <a:lvl9pPr marL="3886200" indent="-228600" algn="l" defTabSz="914400" rtl="0" eaLnBrk="1" latinLnBrk="0" hangingPunct="1">
+              <a:lnSpc>
+                <a:spcPct val="90000"/>
+              </a:lnSpc>
+              <a:spcBef>
+                <a:spcPts val="500"/>
+              </a:spcBef>
+              <a:buFont typeface="Arial" panose="020B0604020202020204" pitchFamily="34" charset="0"/>
+              <a:buChar char="•"/>
+              <a:defRPr sz="1800" kern="1200">
+                <a:solidFill>
+                  <a:schemeClr val="tx1"/>
+                </a:solidFill>
+                <a:latin typeface="+mn-lt"/>
+                <a:ea typeface="+mn-ea"/>
+                <a:cs typeface="+mn-cs"/>
+              </a:defRPr>
+            </a:lvl9pPr>
+          </a:lstStyle>
+          <a:p>
+            <a:r>
+              <a:rPr lang="en-US" altLang="zh-TW" sz="2200" dirty="0">
+                <a:latin typeface="Times New Roman" panose="02020603050405020304" pitchFamily="18" charset="0"/>
+                <a:cs typeface="Times New Roman" panose="02020603050405020304" pitchFamily="18" charset="0"/>
+              </a:rPr>
+              <a:t>TNS,</a:t>
+            </a:r>
+            <a:r>
+              <a:rPr lang="zh-TW" altLang="en-US" sz="2200" dirty="0">
+                <a:latin typeface="Times New Roman" panose="02020603050405020304" pitchFamily="18" charset="0"/>
+                <a:cs typeface="Times New Roman" panose="02020603050405020304" pitchFamily="18" charset="0"/>
+              </a:rPr>
+              <a:t> </a:t>
+            </a:r>
+            <a:r>
+              <a:rPr lang="en-US" altLang="zh-TW" sz="2200" dirty="0">
+                <a:latin typeface="Times New Roman" panose="02020603050405020304" pitchFamily="18" charset="0"/>
+                <a:cs typeface="Times New Roman" panose="02020603050405020304" pitchFamily="18" charset="0"/>
+              </a:rPr>
+              <a:t>Power,</a:t>
+            </a:r>
+            <a:r>
+              <a:rPr lang="zh-TW" altLang="en-US" sz="2200" dirty="0">
+                <a:latin typeface="Times New Roman" panose="02020603050405020304" pitchFamily="18" charset="0"/>
+                <a:cs typeface="Times New Roman" panose="02020603050405020304" pitchFamily="18" charset="0"/>
+              </a:rPr>
+              <a:t> </a:t>
+            </a:r>
+            <a:r>
+              <a:rPr lang="en-US" altLang="zh-TW" sz="2200" dirty="0">
+                <a:latin typeface="Times New Roman" panose="02020603050405020304" pitchFamily="18" charset="0"/>
+                <a:cs typeface="Times New Roman" panose="02020603050405020304" pitchFamily="18" charset="0"/>
+              </a:rPr>
+              <a:t>Area are reported using the command </a:t>
+            </a:r>
+            <a:r>
+              <a:rPr lang="en-US" altLang="zh-TW" sz="2200" b="1" i="1" u="none" strike="noStrike" baseline="0" dirty="0" err="1">
+                <a:solidFill>
+                  <a:srgbClr val="000000"/>
+                </a:solidFill>
+                <a:latin typeface="Times New Roman" panose="02020603050405020304" pitchFamily="18" charset="0"/>
+                <a:cs typeface="Times New Roman" panose="02020603050405020304" pitchFamily="18" charset="0"/>
+              </a:rPr>
+              <a:t>report_qor</a:t>
+            </a:r>
+            <a:r>
+              <a:rPr lang="en-US" altLang="zh-TW" sz="2200" b="1" i="1" u="none" strike="noStrike" baseline="0" dirty="0">
+                <a:solidFill>
+                  <a:srgbClr val="000000"/>
+                </a:solidFill>
+                <a:latin typeface="Times New Roman" panose="02020603050405020304" pitchFamily="18" charset="0"/>
+                <a:cs typeface="Times New Roman" panose="02020603050405020304" pitchFamily="18" charset="0"/>
+              </a:rPr>
+              <a:t> , </a:t>
+            </a:r>
+            <a:r>
+              <a:rPr lang="en-US" altLang="zh-TW" sz="2200" b="1" i="1" u="none" strike="noStrike" baseline="0" dirty="0" err="1">
+                <a:solidFill>
+                  <a:srgbClr val="000000"/>
+                </a:solidFill>
+                <a:latin typeface="Times New Roman" panose="02020603050405020304" pitchFamily="18" charset="0"/>
+                <a:cs typeface="Times New Roman" panose="02020603050405020304" pitchFamily="18" charset="0"/>
+              </a:rPr>
+              <a:t>report_power</a:t>
+            </a:r>
+            <a:r>
+              <a:rPr lang="en-US" altLang="zh-TW" sz="2200" b="1" i="1" u="none" strike="noStrike" baseline="0" dirty="0">
+                <a:solidFill>
+                  <a:srgbClr val="000000"/>
+                </a:solidFill>
+                <a:latin typeface="Times New Roman" panose="02020603050405020304" pitchFamily="18" charset="0"/>
+                <a:cs typeface="Times New Roman" panose="02020603050405020304" pitchFamily="18" charset="0"/>
+              </a:rPr>
+              <a:t> , </a:t>
+            </a:r>
+            <a:r>
+              <a:rPr lang="en-US" altLang="zh-TW" sz="2200" b="1" i="1" u="none" strike="noStrike" baseline="0" dirty="0" err="1">
+                <a:solidFill>
+                  <a:srgbClr val="000000"/>
+                </a:solidFill>
+                <a:latin typeface="Times New Roman" panose="02020603050405020304" pitchFamily="18" charset="0"/>
+                <a:cs typeface="Times New Roman" panose="02020603050405020304" pitchFamily="18" charset="0"/>
+              </a:rPr>
+              <a:t>report_qor</a:t>
+            </a:r>
+            <a:r>
+              <a:rPr lang="en-US" altLang="zh-TW" sz="2200" b="1" i="1" u="none" strike="noStrike" baseline="0" dirty="0">
+                <a:solidFill>
+                  <a:srgbClr val="000000"/>
+                </a:solidFill>
+                <a:latin typeface="Times New Roman" panose="02020603050405020304" pitchFamily="18" charset="0"/>
+                <a:cs typeface="Times New Roman" panose="02020603050405020304" pitchFamily="18" charset="0"/>
+              </a:rPr>
+              <a:t>  </a:t>
+            </a:r>
+            <a:r>
+              <a:rPr lang="en-US" altLang="zh-TW" sz="2200" u="none" strike="noStrike" baseline="0" dirty="0">
+                <a:solidFill>
+                  <a:srgbClr val="000000"/>
+                </a:solidFill>
+                <a:latin typeface="Times New Roman" panose="02020603050405020304" pitchFamily="18" charset="0"/>
+                <a:cs typeface="Times New Roman" panose="02020603050405020304" pitchFamily="18" charset="0"/>
+              </a:rPr>
+              <a:t>from</a:t>
+            </a:r>
+            <a:r>
+              <a:rPr lang="en-US" altLang="zh-TW" sz="2200" b="1" i="1" u="none" strike="noStrike" baseline="0" dirty="0">
+                <a:solidFill>
+                  <a:srgbClr val="000000"/>
+                </a:solidFill>
+                <a:latin typeface="Times New Roman" panose="02020603050405020304" pitchFamily="18" charset="0"/>
+                <a:cs typeface="Times New Roman" panose="02020603050405020304" pitchFamily="18" charset="0"/>
+              </a:rPr>
+              <a:t> </a:t>
+            </a:r>
+            <a:r>
+              <a:rPr lang="en-US" altLang="zh-TW" sz="2200" u="none" strike="noStrike" baseline="0" dirty="0">
+                <a:solidFill>
+                  <a:srgbClr val="000000"/>
+                </a:solidFill>
+                <a:latin typeface="Times New Roman" panose="02020603050405020304" pitchFamily="18" charset="0"/>
+                <a:cs typeface="Times New Roman" panose="02020603050405020304" pitchFamily="18" charset="0"/>
+              </a:rPr>
+              <a:t>Fusion Compiler.</a:t>
+            </a:r>
+            <a:endParaRPr lang="zh-TW" altLang="en-US" sz="2200" b="0" i="0" u="none" strike="noStrike" baseline="0" dirty="0">
+              <a:solidFill>
+                <a:srgbClr val="000000"/>
+              </a:solidFill>
+              <a:latin typeface="Times New Roman" panose="02020603050405020304" pitchFamily="18" charset="0"/>
+              <a:cs typeface="Times New Roman" panose="02020603050405020304" pitchFamily="18" charset="0"/>
+            </a:endParaRPr>
+          </a:p>
+          <a:p>
+            <a:r>
+              <a:rPr lang="en-US" altLang="zh-TW" sz="2200" b="0" i="0" u="none" strike="noStrike" baseline="0" dirty="0">
+                <a:solidFill>
+                  <a:srgbClr val="000000"/>
+                </a:solidFill>
+                <a:latin typeface="Times New Roman" panose="02020603050405020304" pitchFamily="18" charset="0"/>
+                <a:cs typeface="Times New Roman" panose="02020603050405020304" pitchFamily="18" charset="0"/>
+              </a:rPr>
+              <a:t>CPU Cores: You have 8 CPU cores available for your program. </a:t>
+            </a:r>
+          </a:p>
+          <a:p>
+            <a:r>
+              <a:rPr lang="en-US" altLang="zh-TW" sz="2200" b="0" i="0" u="none" strike="noStrike" baseline="0" dirty="0">
+                <a:solidFill>
+                  <a:srgbClr val="000000"/>
+                </a:solidFill>
+                <a:latin typeface="Times New Roman" panose="02020603050405020304" pitchFamily="18" charset="0"/>
+                <a:cs typeface="Times New Roman" panose="02020603050405020304" pitchFamily="18" charset="0"/>
+              </a:rPr>
+              <a:t>Time Limit: The evaluation machine is limited to 60 minutes for each test case. The hidden cases will be in the same scale as public cases. </a:t>
+            </a:r>
+          </a:p>
+          <a:p>
+            <a:pPr lvl="1"/>
+            <a:endParaRPr lang="en-US" altLang="zh-TW" sz="2000" dirty="0">
+              <a:solidFill>
+                <a:srgbClr val="333333"/>
+              </a:solidFill>
+              <a:latin typeface="Times New Roman" panose="02020603050405020304" pitchFamily="18" charset="0"/>
+              <a:ea typeface="新細明體" panose="02020500000000000000" pitchFamily="18" charset="-120"/>
+              <a:cs typeface="Times New Roman" panose="02020603050405020304" pitchFamily="18" charset="0"/>
+            </a:endParaRPr>
+          </a:p>
+        </p:txBody>
+      </p:sp>
+    </p:spTree>
+    <p:extLst>
+      <p:ext uri="{BB962C8B-B14F-4D97-AF65-F5344CB8AC3E}">
+        <p14:creationId xmlns:p14="http://schemas.microsoft.com/office/powerpoint/2010/main" val="3382278798"/>
       </p:ext>
     </p:extLst>
   </p:cSld>

--- a/ICCAD/題目介紹.pptx
+++ b/ICCAD/題目介紹.pptx
@@ -12,7 +12,8 @@
     <p:sldId id="286" r:id="rId6"/>
     <p:sldId id="285" r:id="rId7"/>
     <p:sldId id="288" r:id="rId8"/>
-    <p:sldId id="290" r:id="rId9"/>
+    <p:sldId id="291" r:id="rId9"/>
+    <p:sldId id="290" r:id="rId10"/>
   </p:sldIdLst>
   <p:sldSz cx="12192000" cy="6858000"/>
   <p:notesSz cx="6858000" cy="9144000"/>
@@ -266,7 +267,7 @@
           <a:p>
             <a:fld id="{77AC632A-AFFA-4C79-87CA-C619F2C3B321}" type="datetimeFigureOut">
               <a:rPr lang="zh-TW" altLang="en-US" smtClean="0"/>
-              <a:t>2025/3/25</a:t>
+              <a:t>2025/3/26</a:t>
             </a:fld>
             <a:endParaRPr lang="zh-TW" altLang="en-US"/>
           </a:p>
@@ -464,7 +465,7 @@
           <a:p>
             <a:fld id="{77AC632A-AFFA-4C79-87CA-C619F2C3B321}" type="datetimeFigureOut">
               <a:rPr lang="zh-TW" altLang="en-US" smtClean="0"/>
-              <a:t>2025/3/25</a:t>
+              <a:t>2025/3/26</a:t>
             </a:fld>
             <a:endParaRPr lang="zh-TW" altLang="en-US"/>
           </a:p>
@@ -672,7 +673,7 @@
           <a:p>
             <a:fld id="{77AC632A-AFFA-4C79-87CA-C619F2C3B321}" type="datetimeFigureOut">
               <a:rPr lang="zh-TW" altLang="en-US" smtClean="0"/>
-              <a:t>2025/3/25</a:t>
+              <a:t>2025/3/26</a:t>
             </a:fld>
             <a:endParaRPr lang="zh-TW" altLang="en-US"/>
           </a:p>
@@ -870,7 +871,7 @@
           <a:p>
             <a:fld id="{77AC632A-AFFA-4C79-87CA-C619F2C3B321}" type="datetimeFigureOut">
               <a:rPr lang="zh-TW" altLang="en-US" smtClean="0"/>
-              <a:t>2025/3/25</a:t>
+              <a:t>2025/3/26</a:t>
             </a:fld>
             <a:endParaRPr lang="zh-TW" altLang="en-US"/>
           </a:p>
@@ -1145,7 +1146,7 @@
           <a:p>
             <a:fld id="{77AC632A-AFFA-4C79-87CA-C619F2C3B321}" type="datetimeFigureOut">
               <a:rPr lang="zh-TW" altLang="en-US" smtClean="0"/>
-              <a:t>2025/3/25</a:t>
+              <a:t>2025/3/26</a:t>
             </a:fld>
             <a:endParaRPr lang="zh-TW" altLang="en-US"/>
           </a:p>
@@ -1410,7 +1411,7 @@
           <a:p>
             <a:fld id="{77AC632A-AFFA-4C79-87CA-C619F2C3B321}" type="datetimeFigureOut">
               <a:rPr lang="zh-TW" altLang="en-US" smtClean="0"/>
-              <a:t>2025/3/25</a:t>
+              <a:t>2025/3/26</a:t>
             </a:fld>
             <a:endParaRPr lang="zh-TW" altLang="en-US"/>
           </a:p>
@@ -1822,7 +1823,7 @@
           <a:p>
             <a:fld id="{77AC632A-AFFA-4C79-87CA-C619F2C3B321}" type="datetimeFigureOut">
               <a:rPr lang="zh-TW" altLang="en-US" smtClean="0"/>
-              <a:t>2025/3/25</a:t>
+              <a:t>2025/3/26</a:t>
             </a:fld>
             <a:endParaRPr lang="zh-TW" altLang="en-US"/>
           </a:p>
@@ -1963,7 +1964,7 @@
           <a:p>
             <a:fld id="{77AC632A-AFFA-4C79-87CA-C619F2C3B321}" type="datetimeFigureOut">
               <a:rPr lang="zh-TW" altLang="en-US" smtClean="0"/>
-              <a:t>2025/3/25</a:t>
+              <a:t>2025/3/26</a:t>
             </a:fld>
             <a:endParaRPr lang="zh-TW" altLang="en-US"/>
           </a:p>
@@ -2076,7 +2077,7 @@
           <a:p>
             <a:fld id="{77AC632A-AFFA-4C79-87CA-C619F2C3B321}" type="datetimeFigureOut">
               <a:rPr lang="zh-TW" altLang="en-US" smtClean="0"/>
-              <a:t>2025/3/25</a:t>
+              <a:t>2025/3/26</a:t>
             </a:fld>
             <a:endParaRPr lang="zh-TW" altLang="en-US"/>
           </a:p>
@@ -2387,7 +2388,7 @@
           <a:p>
             <a:fld id="{77AC632A-AFFA-4C79-87CA-C619F2C3B321}" type="datetimeFigureOut">
               <a:rPr lang="zh-TW" altLang="en-US" smtClean="0"/>
-              <a:t>2025/3/25</a:t>
+              <a:t>2025/3/26</a:t>
             </a:fld>
             <a:endParaRPr lang="zh-TW" altLang="en-US"/>
           </a:p>
@@ -2675,7 +2676,7 @@
           <a:p>
             <a:fld id="{77AC632A-AFFA-4C79-87CA-C619F2C3B321}" type="datetimeFigureOut">
               <a:rPr lang="zh-TW" altLang="en-US" smtClean="0"/>
-              <a:t>2025/3/25</a:t>
+              <a:t>2025/3/26</a:t>
             </a:fld>
             <a:endParaRPr lang="zh-TW" altLang="en-US"/>
           </a:p>
@@ -2916,7 +2917,7 @@
           <a:p>
             <a:fld id="{77AC632A-AFFA-4C79-87CA-C619F2C3B321}" type="datetimeFigureOut">
               <a:rPr lang="zh-TW" altLang="en-US" smtClean="0"/>
-              <a:t>2025/3/25</a:t>
+              <a:t>2025/3/26</a:t>
             </a:fld>
             <a:endParaRPr lang="zh-TW" altLang="en-US"/>
           </a:p>
@@ -3449,7 +3450,7 @@
                 <a:latin typeface="Times New Roman" panose="02020603050405020304" pitchFamily="18" charset="0"/>
                 <a:cs typeface="Times New Roman" panose="02020603050405020304" pitchFamily="18" charset="0"/>
               </a:rPr>
-              <a:t>B</a:t>
+              <a:t>Problem B</a:t>
             </a:r>
             <a:endParaRPr lang="zh-TW" altLang="en-US" sz="2500" dirty="0">
               <a:latin typeface="Times New Roman" panose="02020603050405020304" pitchFamily="18" charset="0"/>
@@ -4063,7 +4064,7 @@
         </p:blipFill>
         <p:spPr>
           <a:xfrm>
-            <a:off x="3429132" y="3602818"/>
+            <a:off x="914532" y="3618784"/>
             <a:ext cx="5181468" cy="3072619"/>
           </a:xfrm>
           <a:prstGeom prst="rect">
@@ -4123,6 +4124,36 @@
           </a:p>
         </p:txBody>
       </p:sp>
+      <p:pic>
+        <p:nvPicPr>
+          <p:cNvPr id="5" name="圖片 4">
+            <a:extLst>
+              <a:ext uri="{FF2B5EF4-FFF2-40B4-BE49-F238E27FC236}">
+                <a16:creationId xmlns:a16="http://schemas.microsoft.com/office/drawing/2014/main" id="{52C0ACDC-787B-B205-59F5-B8C23EDFC7A0}"/>
+              </a:ext>
+            </a:extLst>
+          </p:cNvPr>
+          <p:cNvPicPr>
+            <a:picLocks noChangeAspect="1"/>
+          </p:cNvPicPr>
+          <p:nvPr/>
+        </p:nvPicPr>
+        <p:blipFill>
+          <a:blip r:embed="rId5"/>
+          <a:stretch>
+            <a:fillRect/>
+          </a:stretch>
+        </p:blipFill>
+        <p:spPr>
+          <a:xfrm>
+            <a:off x="4923693" y="5642628"/>
+            <a:ext cx="6520448" cy="574829"/>
+          </a:xfrm>
+          <a:prstGeom prst="rect">
+            <a:avLst/>
+          </a:prstGeom>
+        </p:spPr>
+      </p:pic>
     </p:spTree>
     <p:extLst>
       <p:ext uri="{BB962C8B-B14F-4D97-AF65-F5344CB8AC3E}">
@@ -5534,7 +5565,7 @@
                 <a:latin typeface="Times New Roman" panose="02020603050405020304" pitchFamily="18" charset="0"/>
                 <a:cs typeface="Times New Roman" panose="02020603050405020304" pitchFamily="18" charset="0"/>
               </a:rPr>
-              <a:t>Score Function</a:t>
+              <a:t>Slack</a:t>
             </a:r>
             <a:endParaRPr lang="zh-TW" altLang="en-US" sz="4000" dirty="0">
               <a:latin typeface="Times New Roman" panose="02020603050405020304" pitchFamily="18" charset="0"/>
@@ -5576,6 +5607,239 @@
                 </a:solidFill>
               </a:rPr>
               <a:t>8</a:t>
+            </a:fld>
+            <a:endParaRPr lang="zh-TW" altLang="en-US" dirty="0">
+              <a:solidFill>
+                <a:schemeClr val="tx1"/>
+              </a:solidFill>
+            </a:endParaRPr>
+          </a:p>
+        </p:txBody>
+      </p:sp>
+      <p:pic>
+        <p:nvPicPr>
+          <p:cNvPr id="7" name="圖片 6">
+            <a:extLst>
+              <a:ext uri="{FF2B5EF4-FFF2-40B4-BE49-F238E27FC236}">
+                <a16:creationId xmlns:a16="http://schemas.microsoft.com/office/drawing/2014/main" id="{BC6D9857-6C9F-F5B1-4D0D-2E1E9D8719BB}"/>
+              </a:ext>
+            </a:extLst>
+          </p:cNvPr>
+          <p:cNvPicPr>
+            <a:picLocks noChangeAspect="1"/>
+          </p:cNvPicPr>
+          <p:nvPr/>
+        </p:nvPicPr>
+        <p:blipFill>
+          <a:blip r:embed="rId2"/>
+          <a:srcRect t="18722" r="2496" b="8127"/>
+          <a:stretch/>
+        </p:blipFill>
+        <p:spPr>
+          <a:xfrm>
+            <a:off x="584461" y="1311509"/>
+            <a:ext cx="5317698" cy="1804545"/>
+          </a:xfrm>
+          <a:prstGeom prst="rect">
+            <a:avLst/>
+          </a:prstGeom>
+        </p:spPr>
+      </p:pic>
+      <p:pic>
+        <p:nvPicPr>
+          <p:cNvPr id="11" name="圖片 10">
+            <a:extLst>
+              <a:ext uri="{FF2B5EF4-FFF2-40B4-BE49-F238E27FC236}">
+                <a16:creationId xmlns:a16="http://schemas.microsoft.com/office/drawing/2014/main" id="{989A423F-A427-AE0C-FB31-7F3B6BB4A228}"/>
+              </a:ext>
+            </a:extLst>
+          </p:cNvPr>
+          <p:cNvPicPr>
+            <a:picLocks noChangeAspect="1"/>
+          </p:cNvPicPr>
+          <p:nvPr/>
+        </p:nvPicPr>
+        <p:blipFill>
+          <a:blip r:embed="rId3"/>
+          <a:stretch>
+            <a:fillRect/>
+          </a:stretch>
+        </p:blipFill>
+        <p:spPr>
+          <a:xfrm>
+            <a:off x="715651" y="3110587"/>
+            <a:ext cx="6042582" cy="481601"/>
+          </a:xfrm>
+          <a:prstGeom prst="rect">
+            <a:avLst/>
+          </a:prstGeom>
+        </p:spPr>
+      </p:pic>
+      <p:pic>
+        <p:nvPicPr>
+          <p:cNvPr id="14" name="圖片 13">
+            <a:extLst>
+              <a:ext uri="{FF2B5EF4-FFF2-40B4-BE49-F238E27FC236}">
+                <a16:creationId xmlns:a16="http://schemas.microsoft.com/office/drawing/2014/main" id="{73869764-F30D-515D-B1BB-BF537A04F443}"/>
+              </a:ext>
+            </a:extLst>
+          </p:cNvPr>
+          <p:cNvPicPr>
+            <a:picLocks noChangeAspect="1"/>
+          </p:cNvPicPr>
+          <p:nvPr/>
+        </p:nvPicPr>
+        <p:blipFill>
+          <a:blip r:embed="rId4"/>
+          <a:stretch>
+            <a:fillRect/>
+          </a:stretch>
+        </p:blipFill>
+        <p:spPr>
+          <a:xfrm>
+            <a:off x="584461" y="6264096"/>
+            <a:ext cx="10752991" cy="499397"/>
+          </a:xfrm>
+          <a:prstGeom prst="rect">
+            <a:avLst/>
+          </a:prstGeom>
+        </p:spPr>
+      </p:pic>
+      <p:pic>
+        <p:nvPicPr>
+          <p:cNvPr id="16" name="圖片 15">
+            <a:extLst>
+              <a:ext uri="{FF2B5EF4-FFF2-40B4-BE49-F238E27FC236}">
+                <a16:creationId xmlns:a16="http://schemas.microsoft.com/office/drawing/2014/main" id="{7592BBC6-59AE-3143-AF45-6B373EC03F82}"/>
+              </a:ext>
+            </a:extLst>
+          </p:cNvPr>
+          <p:cNvPicPr>
+            <a:picLocks noChangeAspect="1"/>
+          </p:cNvPicPr>
+          <p:nvPr/>
+        </p:nvPicPr>
+        <p:blipFill>
+          <a:blip r:embed="rId5"/>
+          <a:srcRect t="3648"/>
+          <a:stretch/>
+        </p:blipFill>
+        <p:spPr>
+          <a:xfrm>
+            <a:off x="584461" y="3747413"/>
+            <a:ext cx="4813955" cy="2516683"/>
+          </a:xfrm>
+          <a:prstGeom prst="rect">
+            <a:avLst/>
+          </a:prstGeom>
+        </p:spPr>
+      </p:pic>
+    </p:spTree>
+    <p:extLst>
+      <p:ext uri="{BB962C8B-B14F-4D97-AF65-F5344CB8AC3E}">
+        <p14:creationId xmlns:p14="http://schemas.microsoft.com/office/powerpoint/2010/main" val="3161628860"/>
+      </p:ext>
+    </p:extLst>
+  </p:cSld>
+  <p:clrMapOvr>
+    <a:masterClrMapping/>
+  </p:clrMapOvr>
+</p:sld>
+</file>
+
+<file path=ppt/slides/slide9.xml><?xml version="1.0" encoding="utf-8"?>
+<p:sld xmlns:a="http://schemas.openxmlformats.org/drawingml/2006/main" xmlns:r="http://schemas.openxmlformats.org/officeDocument/2006/relationships" xmlns:p="http://schemas.openxmlformats.org/presentationml/2006/main">
+  <p:cSld>
+    <p:spTree>
+      <p:nvGrpSpPr>
+        <p:cNvPr id="1" name="">
+          <a:extLst>
+            <a:ext uri="{FF2B5EF4-FFF2-40B4-BE49-F238E27FC236}">
+              <a16:creationId xmlns:a16="http://schemas.microsoft.com/office/drawing/2014/main" id="{41E3A742-02AA-FD83-6D24-D8775E707AF1}"/>
+            </a:ext>
+          </a:extLst>
+        </p:cNvPr>
+        <p:cNvGrpSpPr/>
+        <p:nvPr/>
+      </p:nvGrpSpPr>
+      <p:grpSpPr>
+        <a:xfrm>
+          <a:off x="0" y="0"/>
+          <a:ext cx="0" cy="0"/>
+          <a:chOff x="0" y="0"/>
+          <a:chExt cx="0" cy="0"/>
+        </a:xfrm>
+      </p:grpSpPr>
+      <p:sp>
+        <p:nvSpPr>
+          <p:cNvPr id="2" name="Title 1">
+            <a:extLst>
+              <a:ext uri="{FF2B5EF4-FFF2-40B4-BE49-F238E27FC236}">
+                <a16:creationId xmlns:a16="http://schemas.microsoft.com/office/drawing/2014/main" id="{FFF1AD4E-A0D9-59D1-2940-8C1F854711CA}"/>
+              </a:ext>
+            </a:extLst>
+          </p:cNvPr>
+          <p:cNvSpPr>
+            <a:spLocks noGrp="1"/>
+          </p:cNvSpPr>
+          <p:nvPr>
+            <p:ph type="title"/>
+          </p:nvPr>
+        </p:nvSpPr>
+        <p:spPr/>
+        <p:txBody>
+          <a:bodyPr>
+            <a:normAutofit/>
+          </a:bodyPr>
+          <a:lstStyle/>
+          <a:p>
+            <a:r>
+              <a:rPr lang="en-US" altLang="zh-TW" sz="4000" dirty="0">
+                <a:latin typeface="Times New Roman" panose="02020603050405020304" pitchFamily="18" charset="0"/>
+                <a:cs typeface="Times New Roman" panose="02020603050405020304" pitchFamily="18" charset="0"/>
+              </a:rPr>
+              <a:t>Score Function</a:t>
+            </a:r>
+            <a:endParaRPr lang="zh-TW" altLang="en-US" sz="4000" dirty="0">
+              <a:latin typeface="Times New Roman" panose="02020603050405020304" pitchFamily="18" charset="0"/>
+              <a:cs typeface="Times New Roman" panose="02020603050405020304" pitchFamily="18" charset="0"/>
+            </a:endParaRPr>
+          </a:p>
+        </p:txBody>
+      </p:sp>
+      <p:sp>
+        <p:nvSpPr>
+          <p:cNvPr id="4" name="投影片編號版面配置區 3">
+            <a:extLst>
+              <a:ext uri="{FF2B5EF4-FFF2-40B4-BE49-F238E27FC236}">
+                <a16:creationId xmlns:a16="http://schemas.microsoft.com/office/drawing/2014/main" id="{AF1B160F-1DA0-C3E4-EDFF-A0EF03CAED0E}"/>
+              </a:ext>
+            </a:extLst>
+          </p:cNvPr>
+          <p:cNvSpPr>
+            <a:spLocks noGrp="1"/>
+          </p:cNvSpPr>
+          <p:nvPr>
+            <p:ph type="sldNum" sz="quarter" idx="12"/>
+          </p:nvPr>
+        </p:nvSpPr>
+        <p:spPr>
+          <a:xfrm>
+            <a:off x="8610600" y="6310312"/>
+            <a:ext cx="2743200" cy="365125"/>
+          </a:xfrm>
+        </p:spPr>
+        <p:txBody>
+          <a:bodyPr/>
+          <a:lstStyle/>
+          <a:p>
+            <a:fld id="{9CF5A83B-F48D-49CA-94CB-9DE72BA4E651}" type="slidenum">
+              <a:rPr lang="zh-TW" altLang="en-US" smtClean="0">
+                <a:solidFill>
+                  <a:schemeClr val="tx1"/>
+                </a:solidFill>
+              </a:rPr>
+              <a:t>9</a:t>
             </a:fld>
             <a:endParaRPr lang="zh-TW" altLang="en-US" dirty="0">
               <a:solidFill>
